--- a/web前端讲义.pptx
+++ b/web前端讲义.pptx
@@ -1,21 +1,21 @@
 
 <file path=ppt/presentation.xml><?xml version="1.0" encoding="utf-8"?>
-<p:presentation xmlns:a="http://schemas.openxmlformats.org/drawingml/2006/main" xmlns:r="http://schemas.openxmlformats.org/officeDocument/2006/relationships" xmlns:p="http://schemas.openxmlformats.org/presentationml/2006/main" saveSubsetFonts="1" autoCompressPictures="0">
+<p:presentation xmlns:a="http://schemas.openxmlformats.org/drawingml/2006/main" xmlns:r="http://schemas.openxmlformats.org/officeDocument/2006/relationships" xmlns:p="http://schemas.openxmlformats.org/presentationml/2006/main" autoCompressPictures="0">
   <p:sldMasterIdLst>
     <p:sldMasterId id="2147483648" r:id="rId1"/>
   </p:sldMasterIdLst>
   <p:notesMasterIdLst>
-    <p:notesMasterId r:id="rId10"/>
+    <p:notesMasterId r:id="rId8"/>
   </p:notesMasterIdLst>
   <p:sldIdLst>
-    <p:sldId id="256" r:id="rId2"/>
-    <p:sldId id="263" r:id="rId3"/>
-    <p:sldId id="260" r:id="rId4"/>
+    <p:sldId id="256" r:id="rId3"/>
+    <p:sldId id="263" r:id="rId4"/>
     <p:sldId id="257" r:id="rId5"/>
     <p:sldId id="258" r:id="rId6"/>
-    <p:sldId id="259" r:id="rId7"/>
-    <p:sldId id="261" r:id="rId8"/>
-    <p:sldId id="262" r:id="rId9"/>
+    <p:sldId id="260" r:id="rId7"/>
+    <p:sldId id="259" r:id="rId9"/>
+    <p:sldId id="261" r:id="rId10"/>
+    <p:sldId id="262" r:id="rId11"/>
   </p:sldIdLst>
   <p:sldSz cx="12192000" cy="6858000"/>
   <p:notesSz cx="6858000" cy="9144000"/>
@@ -114,11 +114,6 @@
       </a:defRPr>
     </a:lvl9pPr>
   </p:defaultTextStyle>
-  <p:extLst>
-    <p:ext uri="{EFAFB233-063F-42B5-8137-9DF3F51BA10A}">
-      <p15:sldGuideLst xmlns:p15="http://schemas.microsoft.com/office/powerpoint/2012/main"/>
-    </p:ext>
-  </p:extLst>
 </p:presentation>
 </file>
 
@@ -204,7 +199,6 @@
           <a:p>
             <a:fld id="{45B5490C-3EDD-1247-84B3-2D6D477ABB67}" type="datetimeFigureOut">
               <a:rPr kumimoji="1" lang="zh-CN" altLang="en-US" smtClean="0"/>
-              <a:t>17/4/26</a:t>
             </a:fld>
             <a:endParaRPr kumimoji="1" lang="zh-CN" altLang="en-US"/>
           </a:p>
@@ -271,6 +265,7 @@
               <a:rPr kumimoji="1" lang="zh-CN" altLang="en-US" smtClean="0"/>
               <a:t>单击此处编辑母版文本样式</a:t>
             </a:r>
+            <a:endParaRPr kumimoji="1" lang="zh-CN" altLang="en-US" smtClean="0"/>
           </a:p>
           <a:p>
             <a:pPr lvl="1"/>
@@ -278,6 +273,7 @@
               <a:rPr kumimoji="1" lang="zh-CN" altLang="en-US" smtClean="0"/>
               <a:t>二级</a:t>
             </a:r>
+            <a:endParaRPr kumimoji="1" lang="zh-CN" altLang="en-US" smtClean="0"/>
           </a:p>
           <a:p>
             <a:pPr lvl="2"/>
@@ -285,6 +281,7 @@
               <a:rPr kumimoji="1" lang="zh-CN" altLang="en-US" smtClean="0"/>
               <a:t>三级</a:t>
             </a:r>
+            <a:endParaRPr kumimoji="1" lang="zh-CN" altLang="en-US" smtClean="0"/>
           </a:p>
           <a:p>
             <a:pPr lvl="3"/>
@@ -292,6 +289,7 @@
               <a:rPr kumimoji="1" lang="zh-CN" altLang="en-US" smtClean="0"/>
               <a:t>四级</a:t>
             </a:r>
+            <a:endParaRPr kumimoji="1" lang="zh-CN" altLang="en-US" smtClean="0"/>
           </a:p>
           <a:p>
             <a:pPr lvl="4"/>
@@ -363,18 +361,12 @@
           <a:p>
             <a:fld id="{B2234035-5156-3C4A-88CA-FC648CAA504A}" type="slidenum">
               <a:rPr kumimoji="1" lang="zh-CN" altLang="en-US" smtClean="0"/>
-              <a:t>‹#›</a:t>
             </a:fld>
             <a:endParaRPr kumimoji="1" lang="zh-CN" altLang="en-US"/>
           </a:p>
         </p:txBody>
       </p:sp>
     </p:spTree>
-    <p:extLst>
-      <p:ext uri="{BB962C8B-B14F-4D97-AF65-F5344CB8AC3E}">
-        <p14:creationId xmlns:p14="http://schemas.microsoft.com/office/powerpoint/2010/main" val="634927711"/>
-      </p:ext>
-    </p:extLst>
   </p:cSld>
   <p:clrMap bg1="lt1" tx1="dk1" bg2="lt2" tx2="dk2" accent1="accent1" accent2="accent2" accent3="accent3" accent4="accent4" accent5="accent5" accent6="accent6" hlink="hlink" folHlink="folHlink"/>
   <p:notesStyle>
@@ -537,18 +529,12 @@
           <a:p>
             <a:fld id="{B2234035-5156-3C4A-88CA-FC648CAA504A}" type="slidenum">
               <a:rPr kumimoji="1" lang="zh-CN" altLang="en-US" smtClean="0"/>
-              <a:t>3</a:t>
             </a:fld>
             <a:endParaRPr kumimoji="1" lang="zh-CN" altLang="en-US"/>
           </a:p>
         </p:txBody>
       </p:sp>
     </p:spTree>
-    <p:extLst>
-      <p:ext uri="{BB962C8B-B14F-4D97-AF65-F5344CB8AC3E}">
-        <p14:creationId xmlns:p14="http://schemas.microsoft.com/office/powerpoint/2010/main" val="383796834"/>
-      </p:ext>
-    </p:extLst>
   </p:cSld>
   <p:clrMapOvr>
     <a:masterClrMapping/>
@@ -621,18 +607,12 @@
           <a:p>
             <a:fld id="{B2234035-5156-3C4A-88CA-FC648CAA504A}" type="slidenum">
               <a:rPr kumimoji="1" lang="zh-CN" altLang="en-US" smtClean="0"/>
-              <a:t>8</a:t>
             </a:fld>
             <a:endParaRPr kumimoji="1" lang="zh-CN" altLang="en-US"/>
           </a:p>
         </p:txBody>
       </p:sp>
     </p:spTree>
-    <p:extLst>
-      <p:ext uri="{BB962C8B-B14F-4D97-AF65-F5344CB8AC3E}">
-        <p14:creationId xmlns:p14="http://schemas.microsoft.com/office/powerpoint/2010/main" val="1579997097"/>
-      </p:ext>
-    </p:extLst>
   </p:cSld>
   <p:clrMapOvr>
     <a:masterClrMapping/>
@@ -828,8 +808,6 @@
           <a:p>
             <a:fld id="{B61BEF0D-F0BB-DE4B-95CE-6DB70DBA9567}" type="datetimeFigureOut">
               <a:rPr lang="en-US" dirty="0"/>
-              <a:pPr/>
-              <a:t>4/26/17</a:t>
             </a:fld>
             <a:endParaRPr lang="en-US" dirty="0"/>
           </a:p>
@@ -958,8 +936,6 @@
           <a:p>
             <a:fld id="{D57F1E4F-1CFF-5643-939E-217C01CDF565}" type="slidenum">
               <a:rPr lang="en-US" dirty="0"/>
-              <a:pPr/>
-              <a:t>‹#›</a:t>
             </a:fld>
             <a:endParaRPr lang="en-US" dirty="0"/>
           </a:p>
@@ -1143,6 +1119,7 @@
               <a:rPr lang="zh-CN" altLang="en-US" smtClean="0"/>
               <a:t>单击此处编辑母版文本样式</a:t>
             </a:r>
+            <a:endParaRPr lang="zh-CN" altLang="en-US" smtClean="0"/>
           </a:p>
         </p:txBody>
       </p:sp>
@@ -1163,8 +1140,6 @@
           <a:p>
             <a:fld id="{B61BEF0D-F0BB-DE4B-95CE-6DB70DBA9567}" type="datetimeFigureOut">
               <a:rPr lang="en-US" dirty="0"/>
-              <a:pPr/>
-              <a:t>4/26/17</a:t>
             </a:fld>
             <a:endParaRPr lang="en-US" dirty="0"/>
           </a:p>
@@ -1293,8 +1268,6 @@
           <a:p>
             <a:fld id="{D57F1E4F-1CFF-5643-939E-217C01CDF565}" type="slidenum">
               <a:rPr lang="en-US" dirty="0"/>
-              <a:pPr/>
-              <a:t>‹#›</a:t>
             </a:fld>
             <a:endParaRPr lang="en-US" dirty="0"/>
           </a:p>
@@ -1419,6 +1392,7 @@
               <a:rPr lang="zh-CN" altLang="en-US" smtClean="0"/>
               <a:t>单击此处编辑母版文本样式</a:t>
             </a:r>
+            <a:endParaRPr lang="zh-CN" altLang="en-US" smtClean="0"/>
           </a:p>
         </p:txBody>
       </p:sp>
@@ -1541,6 +1515,7 @@
               <a:rPr lang="zh-CN" altLang="en-US" smtClean="0"/>
               <a:t>单击此处编辑母版文本样式</a:t>
             </a:r>
+            <a:endParaRPr lang="zh-CN" altLang="en-US" smtClean="0"/>
           </a:p>
         </p:txBody>
       </p:sp>
@@ -1561,8 +1536,6 @@
           <a:p>
             <a:fld id="{B61BEF0D-F0BB-DE4B-95CE-6DB70DBA9567}" type="datetimeFigureOut">
               <a:rPr lang="en-US" dirty="0"/>
-              <a:pPr/>
-              <a:t>4/26/17</a:t>
             </a:fld>
             <a:endParaRPr lang="en-US" dirty="0"/>
           </a:p>
@@ -1691,8 +1664,6 @@
           <a:p>
             <a:fld id="{D57F1E4F-1CFF-5643-939E-217C01CDF565}" type="slidenum">
               <a:rPr lang="en-US" dirty="0"/>
-              <a:pPr/>
-              <a:t>‹#›</a:t>
             </a:fld>
             <a:endParaRPr lang="en-US" dirty="0"/>
           </a:p>
@@ -1729,10 +1700,20 @@
                   <a:schemeClr val="accent1"/>
                 </a:solidFill>
                 <a:effectLst/>
-                <a:latin typeface="Arial"/>
+                <a:latin typeface="Arial" panose="020B0604020202020204"/>
               </a:rPr>
               <a:t>“</a:t>
             </a:r>
+            <a:endParaRPr lang="en-US" sz="8000" baseline="0" dirty="0">
+              <a:ln w="3175" cmpd="sng">
+                <a:noFill/>
+              </a:ln>
+              <a:solidFill>
+                <a:schemeClr val="accent1"/>
+              </a:solidFill>
+              <a:effectLst/>
+              <a:latin typeface="Arial" panose="020B0604020202020204"/>
+            </a:endParaRPr>
           </a:p>
         </p:txBody>
       </p:sp>
@@ -1767,10 +1748,20 @@
                   <a:schemeClr val="accent1"/>
                 </a:solidFill>
                 <a:effectLst/>
-                <a:latin typeface="Arial"/>
+                <a:latin typeface="Arial" panose="020B0604020202020204"/>
               </a:rPr>
               <a:t>”</a:t>
             </a:r>
+            <a:endParaRPr lang="en-US" sz="8000" baseline="0" dirty="0">
+              <a:ln w="3175" cmpd="sng">
+                <a:noFill/>
+              </a:ln>
+              <a:solidFill>
+                <a:schemeClr val="accent1"/>
+              </a:solidFill>
+              <a:effectLst/>
+              <a:latin typeface="Arial" panose="020B0604020202020204"/>
+            </a:endParaRPr>
           </a:p>
         </p:txBody>
       </p:sp>
@@ -1874,6 +1865,7 @@
               <a:rPr lang="zh-CN" altLang="en-US" smtClean="0"/>
               <a:t>单击此处编辑母版文本样式</a:t>
             </a:r>
+            <a:endParaRPr lang="zh-CN" altLang="en-US" smtClean="0"/>
           </a:p>
         </p:txBody>
       </p:sp>
@@ -1894,8 +1886,6 @@
           <a:p>
             <a:fld id="{B61BEF0D-F0BB-DE4B-95CE-6DB70DBA9567}" type="datetimeFigureOut">
               <a:rPr lang="en-US" dirty="0"/>
-              <a:pPr/>
-              <a:t>4/26/17</a:t>
             </a:fld>
             <a:endParaRPr lang="en-US" dirty="0"/>
           </a:p>
@@ -2024,8 +2014,6 @@
           <a:p>
             <a:fld id="{D57F1E4F-1CFF-5643-939E-217C01CDF565}" type="slidenum">
               <a:rPr lang="en-US" dirty="0"/>
-              <a:pPr/>
-              <a:t>‹#›</a:t>
             </a:fld>
             <a:endParaRPr lang="en-US" dirty="0"/>
           </a:p>
@@ -2147,6 +2135,7 @@
               <a:rPr lang="zh-CN" altLang="en-US" smtClean="0"/>
               <a:t>单击此处编辑母版文本样式</a:t>
             </a:r>
+            <a:endParaRPr lang="zh-CN" altLang="en-US" smtClean="0"/>
           </a:p>
         </p:txBody>
       </p:sp>
@@ -2191,6 +2180,7 @@
               <a:rPr lang="zh-CN" altLang="en-US" smtClean="0"/>
               <a:t>单击此处编辑母版文本样式</a:t>
             </a:r>
+            <a:endParaRPr lang="zh-CN" altLang="en-US" smtClean="0"/>
           </a:p>
         </p:txBody>
       </p:sp>
@@ -2211,8 +2201,6 @@
           <a:p>
             <a:fld id="{B61BEF0D-F0BB-DE4B-95CE-6DB70DBA9567}" type="datetimeFigureOut">
               <a:rPr lang="en-US" dirty="0"/>
-              <a:pPr/>
-              <a:t>4/26/17</a:t>
             </a:fld>
             <a:endParaRPr lang="en-US" dirty="0"/>
           </a:p>
@@ -2341,8 +2329,6 @@
           <a:p>
             <a:fld id="{D57F1E4F-1CFF-5643-939E-217C01CDF565}" type="slidenum">
               <a:rPr lang="en-US" dirty="0"/>
-              <a:pPr/>
-              <a:t>‹#›</a:t>
             </a:fld>
             <a:endParaRPr lang="en-US" dirty="0"/>
           </a:p>
@@ -2379,10 +2365,20 @@
                   <a:schemeClr val="accent1"/>
                 </a:solidFill>
                 <a:effectLst/>
-                <a:latin typeface="Arial"/>
+                <a:latin typeface="Arial" panose="020B0604020202020204"/>
               </a:rPr>
               <a:t>“</a:t>
             </a:r>
+            <a:endParaRPr lang="en-US" sz="8000" baseline="0" dirty="0">
+              <a:ln w="3175" cmpd="sng">
+                <a:noFill/>
+              </a:ln>
+              <a:solidFill>
+                <a:schemeClr val="accent1"/>
+              </a:solidFill>
+              <a:effectLst/>
+              <a:latin typeface="Arial" panose="020B0604020202020204"/>
+            </a:endParaRPr>
           </a:p>
         </p:txBody>
       </p:sp>
@@ -2417,10 +2413,20 @@
                   <a:schemeClr val="accent1"/>
                 </a:solidFill>
                 <a:effectLst/>
-                <a:latin typeface="Arial"/>
+                <a:latin typeface="Arial" panose="020B0604020202020204"/>
               </a:rPr>
               <a:t>”</a:t>
             </a:r>
+            <a:endParaRPr lang="en-US" sz="8000" baseline="0" dirty="0">
+              <a:ln w="3175" cmpd="sng">
+                <a:noFill/>
+              </a:ln>
+              <a:solidFill>
+                <a:schemeClr val="accent1"/>
+              </a:solidFill>
+              <a:effectLst/>
+              <a:latin typeface="Arial" panose="020B0604020202020204"/>
+            </a:endParaRPr>
           </a:p>
         </p:txBody>
       </p:sp>
@@ -2540,6 +2546,7 @@
               <a:rPr lang="zh-CN" altLang="en-US" smtClean="0"/>
               <a:t>单击此处编辑母版文本样式</a:t>
             </a:r>
+            <a:endParaRPr lang="zh-CN" altLang="en-US" smtClean="0"/>
           </a:p>
         </p:txBody>
       </p:sp>
@@ -2584,6 +2591,7 @@
               <a:rPr lang="zh-CN" altLang="en-US" smtClean="0"/>
               <a:t>单击此处编辑母版文本样式</a:t>
             </a:r>
+            <a:endParaRPr lang="zh-CN" altLang="en-US" smtClean="0"/>
           </a:p>
         </p:txBody>
       </p:sp>
@@ -2604,8 +2612,6 @@
           <a:p>
             <a:fld id="{B61BEF0D-F0BB-DE4B-95CE-6DB70DBA9567}" type="datetimeFigureOut">
               <a:rPr lang="en-US" dirty="0"/>
-              <a:pPr/>
-              <a:t>4/26/17</a:t>
             </a:fld>
             <a:endParaRPr lang="en-US" dirty="0"/>
           </a:p>
@@ -2734,8 +2740,6 @@
           <a:p>
             <a:fld id="{D57F1E4F-1CFF-5643-939E-217C01CDF565}" type="slidenum">
               <a:rPr lang="en-US" dirty="0"/>
-              <a:pPr/>
-              <a:t>‹#›</a:t>
             </a:fld>
             <a:endParaRPr lang="en-US" dirty="0"/>
           </a:p>
@@ -2809,6 +2813,7 @@
               <a:rPr lang="zh-CN" altLang="en-US" smtClean="0"/>
               <a:t>单击此处编辑母版文本样式</a:t>
             </a:r>
+            <a:endParaRPr lang="zh-CN" altLang="en-US" smtClean="0"/>
           </a:p>
           <a:p>
             <a:pPr lvl="1"/>
@@ -2816,6 +2821,7 @@
               <a:rPr lang="zh-CN" altLang="en-US" smtClean="0"/>
               <a:t>二级</a:t>
             </a:r>
+            <a:endParaRPr lang="zh-CN" altLang="en-US" smtClean="0"/>
           </a:p>
           <a:p>
             <a:pPr lvl="2"/>
@@ -2823,6 +2829,7 @@
               <a:rPr lang="zh-CN" altLang="en-US" smtClean="0"/>
               <a:t>三级</a:t>
             </a:r>
+            <a:endParaRPr lang="zh-CN" altLang="en-US" smtClean="0"/>
           </a:p>
           <a:p>
             <a:pPr lvl="3"/>
@@ -2830,6 +2837,7 @@
               <a:rPr lang="zh-CN" altLang="en-US" smtClean="0"/>
               <a:t>四级</a:t>
             </a:r>
+            <a:endParaRPr lang="zh-CN" altLang="en-US" smtClean="0"/>
           </a:p>
           <a:p>
             <a:pPr lvl="4"/>
@@ -2858,8 +2866,6 @@
           <a:p>
             <a:fld id="{B61BEF0D-F0BB-DE4B-95CE-6DB70DBA9567}" type="datetimeFigureOut">
               <a:rPr lang="en-US" dirty="0"/>
-              <a:pPr/>
-              <a:t>4/26/17</a:t>
             </a:fld>
             <a:endParaRPr lang="en-US" dirty="0"/>
           </a:p>
@@ -2983,8 +2989,6 @@
           <a:p>
             <a:fld id="{D57F1E4F-1CFF-5643-939E-217C01CDF565}" type="slidenum">
               <a:rPr lang="en-US" dirty="0"/>
-              <a:pPr/>
-              <a:t>‹#›</a:t>
             </a:fld>
             <a:endParaRPr lang="en-US" dirty="0"/>
           </a:p>
@@ -3068,6 +3072,7 @@
               <a:rPr lang="zh-CN" altLang="en-US" smtClean="0"/>
               <a:t>单击此处编辑母版文本样式</a:t>
             </a:r>
+            <a:endParaRPr lang="zh-CN" altLang="en-US" smtClean="0"/>
           </a:p>
           <a:p>
             <a:pPr lvl="1"/>
@@ -3075,6 +3080,7 @@
               <a:rPr lang="zh-CN" altLang="en-US" smtClean="0"/>
               <a:t>二级</a:t>
             </a:r>
+            <a:endParaRPr lang="zh-CN" altLang="en-US" smtClean="0"/>
           </a:p>
           <a:p>
             <a:pPr lvl="2"/>
@@ -3082,6 +3088,7 @@
               <a:rPr lang="zh-CN" altLang="en-US" smtClean="0"/>
               <a:t>三级</a:t>
             </a:r>
+            <a:endParaRPr lang="zh-CN" altLang="en-US" smtClean="0"/>
           </a:p>
           <a:p>
             <a:pPr lvl="3"/>
@@ -3089,6 +3096,7 @@
               <a:rPr lang="zh-CN" altLang="en-US" smtClean="0"/>
               <a:t>四级</a:t>
             </a:r>
+            <a:endParaRPr lang="zh-CN" altLang="en-US" smtClean="0"/>
           </a:p>
           <a:p>
             <a:pPr lvl="4"/>
@@ -3117,8 +3125,6 @@
           <a:p>
             <a:fld id="{B61BEF0D-F0BB-DE4B-95CE-6DB70DBA9567}" type="datetimeFigureOut">
               <a:rPr lang="en-US" dirty="0"/>
-              <a:pPr/>
-              <a:t>4/26/17</a:t>
             </a:fld>
             <a:endParaRPr lang="en-US" dirty="0"/>
           </a:p>
@@ -3242,8 +3248,6 @@
           <a:p>
             <a:fld id="{D57F1E4F-1CFF-5643-939E-217C01CDF565}" type="slidenum">
               <a:rPr lang="en-US" dirty="0"/>
-              <a:pPr/>
-              <a:t>‹#›</a:t>
             </a:fld>
             <a:endParaRPr lang="en-US" dirty="0"/>
           </a:p>
@@ -3327,6 +3331,7 @@
               <a:rPr lang="zh-CN" altLang="en-US" smtClean="0"/>
               <a:t>单击此处编辑母版文本样式</a:t>
             </a:r>
+            <a:endParaRPr lang="zh-CN" altLang="en-US" smtClean="0"/>
           </a:p>
           <a:p>
             <a:pPr lvl="1"/>
@@ -3334,6 +3339,7 @@
               <a:rPr lang="zh-CN" altLang="en-US" smtClean="0"/>
               <a:t>二级</a:t>
             </a:r>
+            <a:endParaRPr lang="zh-CN" altLang="en-US" smtClean="0"/>
           </a:p>
           <a:p>
             <a:pPr lvl="2"/>
@@ -3341,6 +3347,7 @@
               <a:rPr lang="zh-CN" altLang="en-US" smtClean="0"/>
               <a:t>三级</a:t>
             </a:r>
+            <a:endParaRPr lang="zh-CN" altLang="en-US" smtClean="0"/>
           </a:p>
           <a:p>
             <a:pPr lvl="3"/>
@@ -3348,6 +3355,7 @@
               <a:rPr lang="zh-CN" altLang="en-US" smtClean="0"/>
               <a:t>四级</a:t>
             </a:r>
+            <a:endParaRPr lang="zh-CN" altLang="en-US" smtClean="0"/>
           </a:p>
           <a:p>
             <a:pPr lvl="4"/>
@@ -3376,8 +3384,6 @@
           <a:p>
             <a:fld id="{B61BEF0D-F0BB-DE4B-95CE-6DB70DBA9567}" type="datetimeFigureOut">
               <a:rPr lang="en-US" dirty="0"/>
-              <a:pPr/>
-              <a:t>4/26/17</a:t>
             </a:fld>
             <a:endParaRPr lang="en-US" dirty="0"/>
           </a:p>
@@ -3501,8 +3507,6 @@
           <a:p>
             <a:fld id="{D57F1E4F-1CFF-5643-939E-217C01CDF565}" type="slidenum">
               <a:rPr lang="en-US" dirty="0"/>
-              <a:pPr/>
-              <a:t>‹#›</a:t>
             </a:fld>
             <a:endParaRPr lang="en-US" dirty="0"/>
           </a:p>
@@ -3682,6 +3686,7 @@
               <a:rPr lang="zh-CN" altLang="en-US" smtClean="0"/>
               <a:t>单击此处编辑母版文本样式</a:t>
             </a:r>
+            <a:endParaRPr lang="zh-CN" altLang="en-US" smtClean="0"/>
           </a:p>
         </p:txBody>
       </p:sp>
@@ -3702,8 +3707,6 @@
           <a:p>
             <a:fld id="{B61BEF0D-F0BB-DE4B-95CE-6DB70DBA9567}" type="datetimeFigureOut">
               <a:rPr lang="en-US" dirty="0"/>
-              <a:pPr/>
-              <a:t>4/26/17</a:t>
             </a:fld>
             <a:endParaRPr lang="en-US" dirty="0"/>
           </a:p>
@@ -3832,8 +3835,6 @@
           <a:p>
             <a:fld id="{D57F1E4F-1CFF-5643-939E-217C01CDF565}" type="slidenum">
               <a:rPr lang="en-US" dirty="0"/>
-              <a:pPr/>
-              <a:t>‹#›</a:t>
             </a:fld>
             <a:endParaRPr lang="en-US" dirty="0"/>
           </a:p>
@@ -3914,6 +3915,7 @@
               <a:rPr lang="zh-CN" altLang="en-US" smtClean="0"/>
               <a:t>单击此处编辑母版文本样式</a:t>
             </a:r>
+            <a:endParaRPr lang="zh-CN" altLang="en-US" smtClean="0"/>
           </a:p>
           <a:p>
             <a:pPr lvl="1"/>
@@ -3921,6 +3923,7 @@
               <a:rPr lang="zh-CN" altLang="en-US" smtClean="0"/>
               <a:t>二级</a:t>
             </a:r>
+            <a:endParaRPr lang="zh-CN" altLang="en-US" smtClean="0"/>
           </a:p>
           <a:p>
             <a:pPr lvl="2"/>
@@ -3928,6 +3931,7 @@
               <a:rPr lang="zh-CN" altLang="en-US" smtClean="0"/>
               <a:t>三级</a:t>
             </a:r>
+            <a:endParaRPr lang="zh-CN" altLang="en-US" smtClean="0"/>
           </a:p>
           <a:p>
             <a:pPr lvl="3"/>
@@ -3935,6 +3939,7 @@
               <a:rPr lang="zh-CN" altLang="en-US" smtClean="0"/>
               <a:t>四级</a:t>
             </a:r>
+            <a:endParaRPr lang="zh-CN" altLang="en-US" smtClean="0"/>
           </a:p>
           <a:p>
             <a:pPr lvl="4"/>
@@ -3973,6 +3978,7 @@
               <a:rPr lang="zh-CN" altLang="en-US" smtClean="0"/>
               <a:t>单击此处编辑母版文本样式</a:t>
             </a:r>
+            <a:endParaRPr lang="zh-CN" altLang="en-US" smtClean="0"/>
           </a:p>
           <a:p>
             <a:pPr lvl="1"/>
@@ -3980,6 +3986,7 @@
               <a:rPr lang="zh-CN" altLang="en-US" smtClean="0"/>
               <a:t>二级</a:t>
             </a:r>
+            <a:endParaRPr lang="zh-CN" altLang="en-US" smtClean="0"/>
           </a:p>
           <a:p>
             <a:pPr lvl="2"/>
@@ -3987,6 +3994,7 @@
               <a:rPr lang="zh-CN" altLang="en-US" smtClean="0"/>
               <a:t>三级</a:t>
             </a:r>
+            <a:endParaRPr lang="zh-CN" altLang="en-US" smtClean="0"/>
           </a:p>
           <a:p>
             <a:pPr lvl="3"/>
@@ -3994,6 +4002,7 @@
               <a:rPr lang="zh-CN" altLang="en-US" smtClean="0"/>
               <a:t>四级</a:t>
             </a:r>
+            <a:endParaRPr lang="zh-CN" altLang="en-US" smtClean="0"/>
           </a:p>
           <a:p>
             <a:pPr lvl="4"/>
@@ -4022,8 +4031,6 @@
           <a:p>
             <a:fld id="{B61BEF0D-F0BB-DE4B-95CE-6DB70DBA9567}" type="datetimeFigureOut">
               <a:rPr lang="en-US" dirty="0"/>
-              <a:pPr/>
-              <a:t>4/26/17</a:t>
             </a:fld>
             <a:endParaRPr lang="en-US" dirty="0"/>
           </a:p>
@@ -4152,8 +4159,6 @@
           <a:p>
             <a:fld id="{D57F1E4F-1CFF-5643-939E-217C01CDF565}" type="slidenum">
               <a:rPr lang="en-US" dirty="0"/>
-              <a:pPr/>
-              <a:t>‹#›</a:t>
             </a:fld>
             <a:endParaRPr lang="en-US" dirty="0"/>
           </a:p>
@@ -4271,6 +4276,7 @@
               <a:rPr lang="zh-CN" altLang="en-US" smtClean="0"/>
               <a:t>单击此处编辑母版文本样式</a:t>
             </a:r>
+            <a:endParaRPr lang="zh-CN" altLang="en-US" smtClean="0"/>
           </a:p>
         </p:txBody>
       </p:sp>
@@ -4301,6 +4307,7 @@
               <a:rPr lang="zh-CN" altLang="en-US" smtClean="0"/>
               <a:t>单击此处编辑母版文本样式</a:t>
             </a:r>
+            <a:endParaRPr lang="zh-CN" altLang="en-US" smtClean="0"/>
           </a:p>
           <a:p>
             <a:pPr lvl="1"/>
@@ -4308,6 +4315,7 @@
               <a:rPr lang="zh-CN" altLang="en-US" smtClean="0"/>
               <a:t>二级</a:t>
             </a:r>
+            <a:endParaRPr lang="zh-CN" altLang="en-US" smtClean="0"/>
           </a:p>
           <a:p>
             <a:pPr lvl="2"/>
@@ -4315,6 +4323,7 @@
               <a:rPr lang="zh-CN" altLang="en-US" smtClean="0"/>
               <a:t>三级</a:t>
             </a:r>
+            <a:endParaRPr lang="zh-CN" altLang="en-US" smtClean="0"/>
           </a:p>
           <a:p>
             <a:pPr lvl="3"/>
@@ -4322,6 +4331,7 @@
               <a:rPr lang="zh-CN" altLang="en-US" smtClean="0"/>
               <a:t>四级</a:t>
             </a:r>
+            <a:endParaRPr lang="zh-CN" altLang="en-US" smtClean="0"/>
           </a:p>
           <a:p>
             <a:pPr lvl="4"/>
@@ -4397,6 +4407,7 @@
               <a:rPr lang="zh-CN" altLang="en-US" smtClean="0"/>
               <a:t>单击此处编辑母版文本样式</a:t>
             </a:r>
+            <a:endParaRPr lang="zh-CN" altLang="en-US" smtClean="0"/>
           </a:p>
         </p:txBody>
       </p:sp>
@@ -4427,6 +4438,7 @@
               <a:rPr lang="zh-CN" altLang="en-US" smtClean="0"/>
               <a:t>单击此处编辑母版文本样式</a:t>
             </a:r>
+            <a:endParaRPr lang="zh-CN" altLang="en-US" smtClean="0"/>
           </a:p>
           <a:p>
             <a:pPr lvl="1"/>
@@ -4434,6 +4446,7 @@
               <a:rPr lang="zh-CN" altLang="en-US" smtClean="0"/>
               <a:t>二级</a:t>
             </a:r>
+            <a:endParaRPr lang="zh-CN" altLang="en-US" smtClean="0"/>
           </a:p>
           <a:p>
             <a:pPr lvl="2"/>
@@ -4441,6 +4454,7 @@
               <a:rPr lang="zh-CN" altLang="en-US" smtClean="0"/>
               <a:t>三级</a:t>
             </a:r>
+            <a:endParaRPr lang="zh-CN" altLang="en-US" smtClean="0"/>
           </a:p>
           <a:p>
             <a:pPr lvl="3"/>
@@ -4448,6 +4462,7 @@
               <a:rPr lang="zh-CN" altLang="en-US" smtClean="0"/>
               <a:t>四级</a:t>
             </a:r>
+            <a:endParaRPr lang="zh-CN" altLang="en-US" smtClean="0"/>
           </a:p>
           <a:p>
             <a:pPr lvl="4"/>
@@ -4476,8 +4491,6 @@
           <a:p>
             <a:fld id="{B61BEF0D-F0BB-DE4B-95CE-6DB70DBA9567}" type="datetimeFigureOut">
               <a:rPr lang="en-US" dirty="0"/>
-              <a:pPr/>
-              <a:t>4/26/17</a:t>
             </a:fld>
             <a:endParaRPr lang="en-US" dirty="0"/>
           </a:p>
@@ -4606,8 +4619,6 @@
           <a:p>
             <a:fld id="{D57F1E4F-1CFF-5643-939E-217C01CDF565}" type="slidenum">
               <a:rPr lang="en-US" dirty="0"/>
-              <a:pPr/>
-              <a:t>‹#›</a:t>
             </a:fld>
             <a:endParaRPr lang="en-US" dirty="0"/>
           </a:p>
@@ -4678,8 +4689,6 @@
           <a:p>
             <a:fld id="{B61BEF0D-F0BB-DE4B-95CE-6DB70DBA9567}" type="datetimeFigureOut">
               <a:rPr lang="en-US" dirty="0"/>
-              <a:pPr/>
-              <a:t>4/26/17</a:t>
             </a:fld>
             <a:endParaRPr lang="en-US" dirty="0"/>
           </a:p>
@@ -4803,8 +4812,6 @@
           <a:p>
             <a:fld id="{D57F1E4F-1CFF-5643-939E-217C01CDF565}" type="slidenum">
               <a:rPr lang="en-US" dirty="0"/>
-              <a:pPr/>
-              <a:t>‹#›</a:t>
             </a:fld>
             <a:endParaRPr lang="en-US" dirty="0"/>
           </a:p>
@@ -4852,8 +4859,6 @@
           <a:p>
             <a:fld id="{B61BEF0D-F0BB-DE4B-95CE-6DB70DBA9567}" type="datetimeFigureOut">
               <a:rPr lang="en-US" dirty="0"/>
-              <a:pPr/>
-              <a:t>4/26/17</a:t>
             </a:fld>
             <a:endParaRPr lang="en-US" dirty="0"/>
           </a:p>
@@ -4977,8 +4982,6 @@
           <a:p>
             <a:fld id="{D57F1E4F-1CFF-5643-939E-217C01CDF565}" type="slidenum">
               <a:rPr lang="en-US" dirty="0"/>
-              <a:pPr/>
-              <a:t>‹#›</a:t>
             </a:fld>
             <a:endParaRPr lang="en-US" dirty="0"/>
           </a:p>
@@ -5068,6 +5071,7 @@
               <a:rPr lang="zh-CN" altLang="en-US" smtClean="0"/>
               <a:t>单击此处编辑母版文本样式</a:t>
             </a:r>
+            <a:endParaRPr lang="zh-CN" altLang="en-US" smtClean="0"/>
           </a:p>
           <a:p>
             <a:pPr lvl="1"/>
@@ -5075,6 +5079,7 @@
               <a:rPr lang="zh-CN" altLang="en-US" smtClean="0"/>
               <a:t>二级</a:t>
             </a:r>
+            <a:endParaRPr lang="zh-CN" altLang="en-US" smtClean="0"/>
           </a:p>
           <a:p>
             <a:pPr lvl="2"/>
@@ -5082,6 +5087,7 @@
               <a:rPr lang="zh-CN" altLang="en-US" smtClean="0"/>
               <a:t>三级</a:t>
             </a:r>
+            <a:endParaRPr lang="zh-CN" altLang="en-US" smtClean="0"/>
           </a:p>
           <a:p>
             <a:pPr lvl="3"/>
@@ -5089,6 +5095,7 @@
               <a:rPr lang="zh-CN" altLang="en-US" smtClean="0"/>
               <a:t>四级</a:t>
             </a:r>
+            <a:endParaRPr lang="zh-CN" altLang="en-US" smtClean="0"/>
           </a:p>
           <a:p>
             <a:pPr lvl="4"/>
@@ -5162,6 +5169,7 @@
               <a:rPr lang="zh-CN" altLang="en-US" smtClean="0"/>
               <a:t>单击此处编辑母版文本样式</a:t>
             </a:r>
+            <a:endParaRPr lang="zh-CN" altLang="en-US" smtClean="0"/>
           </a:p>
         </p:txBody>
       </p:sp>
@@ -5182,8 +5190,6 @@
           <a:p>
             <a:fld id="{B61BEF0D-F0BB-DE4B-95CE-6DB70DBA9567}" type="datetimeFigureOut">
               <a:rPr lang="en-US" dirty="0"/>
-              <a:pPr/>
-              <a:t>4/26/17</a:t>
             </a:fld>
             <a:endParaRPr lang="en-US" dirty="0"/>
           </a:p>
@@ -5307,8 +5313,6 @@
           <a:p>
             <a:fld id="{D57F1E4F-1CFF-5643-939E-217C01CDF565}" type="slidenum">
               <a:rPr lang="en-US" dirty="0"/>
-              <a:pPr/>
-              <a:t>‹#›</a:t>
             </a:fld>
             <a:endParaRPr lang="en-US" dirty="0"/>
           </a:p>
@@ -5380,7 +5384,7 @@
             <a:spLocks noGrp="1" noChangeAspect="1"/>
           </p:cNvSpPr>
           <p:nvPr>
-            <p:ph type="pic" idx="1"/>
+            <p:ph type="pic" idx="1" hasCustomPrompt="1"/>
           </p:nvPr>
         </p:nvSpPr>
         <p:spPr>
@@ -5504,6 +5508,7 @@
               <a:rPr lang="zh-CN" altLang="en-US" smtClean="0"/>
               <a:t>单击此处编辑母版文本样式</a:t>
             </a:r>
+            <a:endParaRPr lang="zh-CN" altLang="en-US" smtClean="0"/>
           </a:p>
         </p:txBody>
       </p:sp>
@@ -5524,8 +5529,6 @@
           <a:p>
             <a:fld id="{B61BEF0D-F0BB-DE4B-95CE-6DB70DBA9567}" type="datetimeFigureOut">
               <a:rPr lang="en-US" dirty="0"/>
-              <a:pPr/>
-              <a:t>4/26/17</a:t>
             </a:fld>
             <a:endParaRPr lang="en-US" dirty="0"/>
           </a:p>
@@ -5654,8 +5657,6 @@
           <a:p>
             <a:fld id="{D57F1E4F-1CFF-5643-939E-217C01CDF565}" type="slidenum">
               <a:rPr lang="en-US" dirty="0"/>
-              <a:pPr/>
-              <a:t>‹#›</a:t>
             </a:fld>
             <a:endParaRPr lang="en-US" dirty="0"/>
           </a:p>
@@ -7571,6 +7572,7 @@
               <a:rPr lang="zh-CN" altLang="en-US" smtClean="0"/>
               <a:t>单击此处编辑母版文本样式</a:t>
             </a:r>
+            <a:endParaRPr lang="zh-CN" altLang="en-US" smtClean="0"/>
           </a:p>
           <a:p>
             <a:pPr lvl="1"/>
@@ -7578,6 +7580,7 @@
               <a:rPr lang="zh-CN" altLang="en-US" smtClean="0"/>
               <a:t>二级</a:t>
             </a:r>
+            <a:endParaRPr lang="zh-CN" altLang="en-US" smtClean="0"/>
           </a:p>
           <a:p>
             <a:pPr lvl="2"/>
@@ -7585,6 +7588,7 @@
               <a:rPr lang="zh-CN" altLang="en-US" smtClean="0"/>
               <a:t>三级</a:t>
             </a:r>
+            <a:endParaRPr lang="zh-CN" altLang="en-US" smtClean="0"/>
           </a:p>
           <a:p>
             <a:pPr lvl="3"/>
@@ -7592,6 +7596,7 @@
               <a:rPr lang="zh-CN" altLang="en-US" smtClean="0"/>
               <a:t>四级</a:t>
             </a:r>
+            <a:endParaRPr lang="zh-CN" altLang="en-US" smtClean="0"/>
           </a:p>
           <a:p>
             <a:pPr lvl="4"/>
@@ -7638,8 +7643,6 @@
           <a:p>
             <a:fld id="{B61BEF0D-F0BB-DE4B-95CE-6DB70DBA9567}" type="datetimeFigureOut">
               <a:rPr lang="en-US" dirty="0"/>
-              <a:pPr/>
-              <a:t>4/26/17</a:t>
             </a:fld>
             <a:endParaRPr lang="en-US" dirty="0"/>
           </a:p>
@@ -7715,8 +7718,6 @@
           <a:p>
             <a:fld id="{D57F1E4F-1CFF-5643-939E-217C01CDF565}" type="slidenum">
               <a:rPr lang="en-US" dirty="0"/>
-              <a:pPr/>
-              <a:t>‹#›</a:t>
             </a:fld>
             <a:endParaRPr lang="en-US" dirty="0"/>
           </a:p>
@@ -7735,13 +7736,13 @@
     <p:sldLayoutId id="2147483655" r:id="rId7"/>
     <p:sldLayoutId id="2147483656" r:id="rId8"/>
     <p:sldLayoutId id="2147483657" r:id="rId9"/>
-    <p:sldLayoutId id="2147483660" r:id="rId10"/>
-    <p:sldLayoutId id="2147483661" r:id="rId11"/>
-    <p:sldLayoutId id="2147483662" r:id="rId12"/>
-    <p:sldLayoutId id="2147483663" r:id="rId13"/>
-    <p:sldLayoutId id="2147483664" r:id="rId14"/>
-    <p:sldLayoutId id="2147483658" r:id="rId15"/>
-    <p:sldLayoutId id="2147483659" r:id="rId16"/>
+    <p:sldLayoutId id="2147483658" r:id="rId10"/>
+    <p:sldLayoutId id="2147483659" r:id="rId11"/>
+    <p:sldLayoutId id="2147483660" r:id="rId12"/>
+    <p:sldLayoutId id="2147483661" r:id="rId13"/>
+    <p:sldLayoutId id="2147483662" r:id="rId14"/>
+    <p:sldLayoutId id="2147483663" r:id="rId15"/>
+    <p:sldLayoutId id="2147483664" r:id="rId16"/>
   </p:sldLayoutIdLst>
   <p:txStyles>
     <p:titleStyle>
@@ -7830,7 +7831,7 @@
         <a:buClr>
           <a:schemeClr val="accent1"/>
         </a:buClr>
-        <a:buFont typeface="Wingdings 3" charset="2"/>
+        <a:buFont typeface="Wingdings 3" panose="05040102010807070707" charset="2"/>
         <a:buChar char=""/>
         <a:defRPr sz="1800" kern="1200">
           <a:solidFill>
@@ -7854,7 +7855,7 @@
         <a:buClr>
           <a:schemeClr val="accent1"/>
         </a:buClr>
-        <a:buFont typeface="Wingdings 3" charset="2"/>
+        <a:buFont typeface="Wingdings 3" panose="05040102010807070707" charset="2"/>
         <a:buChar char=""/>
         <a:defRPr sz="1600" kern="1200">
           <a:solidFill>
@@ -7878,7 +7879,7 @@
         <a:buClr>
           <a:schemeClr val="accent1"/>
         </a:buClr>
-        <a:buFont typeface="Wingdings 3" charset="2"/>
+        <a:buFont typeface="Wingdings 3" panose="05040102010807070707" charset="2"/>
         <a:buChar char=""/>
         <a:defRPr sz="1400" kern="1200">
           <a:solidFill>
@@ -7902,7 +7903,7 @@
         <a:buClr>
           <a:schemeClr val="accent1"/>
         </a:buClr>
-        <a:buFont typeface="Wingdings 3" charset="2"/>
+        <a:buFont typeface="Wingdings 3" panose="05040102010807070707" charset="2"/>
         <a:buChar char=""/>
         <a:defRPr sz="1200" kern="1200">
           <a:solidFill>
@@ -7926,7 +7927,7 @@
         <a:buClr>
           <a:schemeClr val="accent1"/>
         </a:buClr>
-        <a:buFont typeface="Wingdings 3" charset="2"/>
+        <a:buFont typeface="Wingdings 3" panose="05040102010807070707" charset="2"/>
         <a:buChar char=""/>
         <a:defRPr sz="1200" kern="1200">
           <a:solidFill>
@@ -7950,7 +7951,7 @@
         <a:buClr>
           <a:schemeClr val="accent1"/>
         </a:buClr>
-        <a:buFont typeface="Wingdings 3" charset="2"/>
+        <a:buFont typeface="Wingdings 3" panose="05040102010807070707" charset="2"/>
         <a:buChar char=""/>
         <a:defRPr sz="1200" kern="1200">
           <a:solidFill>
@@ -7974,7 +7975,7 @@
         <a:buClr>
           <a:schemeClr val="accent1"/>
         </a:buClr>
-        <a:buFont typeface="Wingdings 3" charset="2"/>
+        <a:buFont typeface="Wingdings 3" panose="05040102010807070707" charset="2"/>
         <a:buChar char=""/>
         <a:defRPr sz="1200" kern="1200">
           <a:solidFill>
@@ -7998,7 +7999,7 @@
         <a:buClr>
           <a:schemeClr val="accent1"/>
         </a:buClr>
-        <a:buFont typeface="Wingdings 3" charset="2"/>
+        <a:buFont typeface="Wingdings 3" panose="05040102010807070707" charset="2"/>
         <a:buChar char=""/>
         <a:defRPr sz="1200" kern="1200">
           <a:solidFill>
@@ -8022,7 +8023,7 @@
         <a:buClr>
           <a:schemeClr val="accent1"/>
         </a:buClr>
-        <a:buFont typeface="Wingdings 3" charset="2"/>
+        <a:buFont typeface="Wingdings 3" panose="05040102010807070707" charset="2"/>
         <a:buChar char=""/>
         <a:defRPr sz="1200" kern="1200">
           <a:solidFill>
@@ -8206,6 +8207,7 @@
               <a:rPr kumimoji="1" lang="en-US" altLang="zh-CN" sz="2400" dirty="0" smtClean="0"/>
               <a:t>Viewport</a:t>
             </a:r>
+            <a:endParaRPr kumimoji="1" lang="en-US" altLang="zh-CN" sz="2400" dirty="0" smtClean="0"/>
           </a:p>
           <a:p>
             <a:r>
@@ -8248,11 +8250,6 @@
         </p:txBody>
       </p:sp>
     </p:spTree>
-    <p:extLst>
-      <p:ext uri="{BB962C8B-B14F-4D97-AF65-F5344CB8AC3E}">
-        <p14:creationId xmlns:p14="http://schemas.microsoft.com/office/powerpoint/2010/main" val="1814518658"/>
-      </p:ext>
-    </p:extLst>
   </p:cSld>
   <p:clrMapOvr>
     <a:masterClrMapping/>
@@ -8293,30 +8290,14 @@
           <a:lstStyle/>
           <a:p>
             <a:r>
-              <a:rPr kumimoji="1" lang="zh-CN" altLang="en-US" dirty="0" smtClean="0">
+              <a:rPr kumimoji="1" dirty="0">
                 <a:solidFill>
                   <a:srgbClr val="FF0000"/>
                 </a:solidFill>
               </a:rPr>
-              <a:t>移动端开发和</a:t>
-            </a:r>
-            <a:r>
-              <a:rPr kumimoji="1" lang="en-US" altLang="zh-CN" dirty="0" smtClean="0">
-                <a:solidFill>
-                  <a:srgbClr val="FF0000"/>
-                </a:solidFill>
-              </a:rPr>
-              <a:t>pc</a:t>
-            </a:r>
-            <a:r>
-              <a:rPr kumimoji="1" lang="zh-CN" altLang="en-US" dirty="0" smtClean="0">
-                <a:solidFill>
-                  <a:srgbClr val="FF0000"/>
-                </a:solidFill>
-              </a:rPr>
-              <a:t>端区别</a:t>
-            </a:r>
-            <a:endParaRPr kumimoji="1" lang="zh-CN" altLang="en-US" dirty="0">
+              <a:t>移动前端开发和 Web 前端开发的区别是什么？</a:t>
+            </a:r>
+            <a:endParaRPr kumimoji="1" dirty="0">
               <a:solidFill>
                 <a:srgbClr val="FF0000"/>
               </a:solidFill>
@@ -8334,21 +8315,132 @@
             <p:ph idx="1"/>
           </p:nvPr>
         </p:nvSpPr>
-        <p:spPr/>
+        <p:spPr>
+          <a:xfrm>
+            <a:off x="2588895" y="1905000"/>
+            <a:ext cx="8823325" cy="4164330"/>
+          </a:xfrm>
+        </p:spPr>
         <p:txBody>
           <a:bodyPr/>
           <a:lstStyle/>
           <a:p>
+            <a:pPr fontAlgn="auto">
+              <a:lnSpc>
+                <a:spcPct val="150000"/>
+              </a:lnSpc>
+            </a:pPr>
+            <a:r>
+              <a:rPr kumimoji="1" lang="en-US" altLang="zh-CN"/>
+              <a:t> html</a:t>
+            </a:r>
+            <a:r>
+              <a:rPr kumimoji="1" lang="zh-CN" altLang="en-US"/>
+              <a:t>页面增加</a:t>
+            </a:r>
+            <a:r>
+              <a:rPr kumimoji="1" lang="en-US" altLang="zh-CN"/>
+              <a:t>meta:&lt;meta  </a:t>
+            </a:r>
+            <a:r>
+              <a:rPr kumimoji="1" lang="en-US" altLang="zh-CN">
+                <a:sym typeface="+mn-ea"/>
+              </a:rPr>
+              <a:t> name="viewport" </a:t>
+            </a:r>
+            <a:r>
+              <a:rPr kumimoji="1" lang="en-US" altLang="zh-CN"/>
+              <a:t>content="width=device-width, initial-scale=1.0, maximum-scale=1.0, user-scalable=0"&gt;</a:t>
+            </a:r>
+            <a:endParaRPr kumimoji="1" lang="en-US" altLang="zh-CN"/>
+          </a:p>
+          <a:p>
+            <a:pPr fontAlgn="auto">
+              <a:lnSpc>
+                <a:spcPct val="150000"/>
+              </a:lnSpc>
+            </a:pPr>
+            <a:r>
+              <a:rPr kumimoji="1" lang="en-US" altLang="zh-CN"/>
+              <a:t>pc </a:t>
+            </a:r>
+            <a:r>
+              <a:rPr kumimoji="1" lang="zh-CN" altLang="en-US"/>
+              <a:t>端开发一般宽度用固定像素单位，移动端用相对单位（ </a:t>
+            </a:r>
+            <a:r>
+              <a:rPr kumimoji="1" lang="en-US" altLang="zh-CN"/>
+              <a:t>%,em,rem</a:t>
+            </a:r>
+            <a:r>
+              <a:rPr kumimoji="1" lang="zh-CN" altLang="en-US"/>
+              <a:t>）</a:t>
+            </a:r>
             <a:endParaRPr kumimoji="1" lang="zh-CN" altLang="en-US"/>
           </a:p>
+          <a:p>
+            <a:pPr fontAlgn="auto">
+              <a:lnSpc>
+                <a:spcPct val="150000"/>
+              </a:lnSpc>
+            </a:pPr>
+            <a:r>
+              <a:rPr kumimoji="1" lang="en-US" altLang="zh-CN"/>
+              <a:t>pc</a:t>
+            </a:r>
+            <a:r>
+              <a:rPr kumimoji="1" lang="zh-CN" altLang="en-US"/>
+              <a:t>的 </a:t>
+            </a:r>
+            <a:r>
+              <a:rPr kumimoji="1" lang="en-US" altLang="zh-CN"/>
+              <a:t>click</a:t>
+            </a:r>
+            <a:r>
+              <a:rPr kumimoji="1" lang="zh-CN" altLang="en-US"/>
+              <a:t>事件一般不推荐在手机端使用，用</a:t>
+            </a:r>
+            <a:r>
+              <a:rPr kumimoji="1" lang="en-US" altLang="zh-CN"/>
+              <a:t>touch</a:t>
+            </a:r>
+            <a:r>
+              <a:rPr kumimoji="1" lang="zh-CN" altLang="en-US"/>
+              <a:t>代替（ touchstart,touchmove,touchend.）</a:t>
+            </a:r>
+            <a:r>
+              <a:rPr kumimoji="1" lang="en-US" altLang="zh-CN"/>
+              <a:t>,</a:t>
+            </a:r>
+            <a:r>
+              <a:rPr kumimoji="1" lang="zh-CN" altLang="en-US"/>
+              <a:t>因为 </a:t>
+            </a:r>
+            <a:r>
+              <a:rPr kumimoji="1" lang="en-US" altLang="zh-CN"/>
+              <a:t>click</a:t>
+            </a:r>
+            <a:r>
+              <a:rPr kumimoji="1" lang="zh-CN" altLang="en-US"/>
+              <a:t>事件在手机端会有延迟，延迟    300 毫秒</a:t>
+            </a:r>
+            <a:endParaRPr kumimoji="1" lang="zh-CN" altLang="en-US"/>
+          </a:p>
+          <a:p>
+            <a:pPr fontAlgn="auto">
+              <a:lnSpc>
+                <a:spcPct val="150000"/>
+              </a:lnSpc>
+            </a:pPr>
+            <a:r>
+              <a:rPr kumimoji="1" lang="zh-CN" altLang="en-US"/>
+              <a:t>移动端开发高度一般建议不给高度，推荐使用内容撑开来填充高度。</a:t>
+            </a:r>
+            <a:endParaRPr kumimoji="1" lang="zh-CN" altLang="en-US"/>
+          </a:p>
         </p:txBody>
       </p:sp>
     </p:spTree>
-    <p:extLst>
-      <p:ext uri="{BB962C8B-B14F-4D97-AF65-F5344CB8AC3E}">
-        <p14:creationId xmlns:p14="http://schemas.microsoft.com/office/powerpoint/2010/main" val="1375914124"/>
-      </p:ext>
-    </p:extLst>
   </p:cSld>
   <p:clrMapOvr>
     <a:masterClrMapping/>
@@ -8380,297 +8472,346 @@
             <a:spLocks noGrp="1"/>
           </p:cNvSpPr>
           <p:nvPr>
-            <p:ph type="title" idx="4294967295"/>
-          </p:nvPr>
-        </p:nvSpPr>
-        <p:spPr>
-          <a:xfrm>
-            <a:off x="2743201" y="623888"/>
-            <a:ext cx="9448800" cy="1057428"/>
-          </a:xfrm>
-        </p:spPr>
+            <p:ph type="title"/>
+          </p:nvPr>
+        </p:nvSpPr>
+        <p:spPr/>
         <p:txBody>
           <a:bodyPr/>
           <a:lstStyle/>
           <a:p>
+            <a:r>
+              <a:rPr lang="en-US" altLang="zh-CN" b="1" dirty="0">
+                <a:solidFill>
+                  <a:srgbClr val="F50A64"/>
+                </a:solidFill>
+                <a:latin typeface="微软雅黑" panose="020B0503020204020204" charset="-122"/>
+                <a:ea typeface="微软雅黑" panose="020B0503020204020204" charset="-122"/>
+                <a:sym typeface="微软雅黑" panose="020B0503020204020204" charset="-122"/>
+              </a:rPr>
+              <a:t>viewport</a:t>
+            </a:r>
             <a:r>
               <a:rPr lang="zh-CN" altLang="en-US" b="1" dirty="0">
                 <a:solidFill>
                   <a:srgbClr val="F50A64"/>
                 </a:solidFill>
-                <a:latin typeface="微软雅黑" charset="-122"/>
-                <a:ea typeface="微软雅黑" charset="-122"/>
-                <a:sym typeface="微软雅黑" charset="-122"/>
+                <a:latin typeface="微软雅黑" panose="020B0503020204020204" charset="-122"/>
+                <a:ea typeface="微软雅黑" panose="020B0503020204020204" charset="-122"/>
+                <a:sym typeface="微软雅黑" panose="020B0503020204020204" charset="-122"/>
               </a:rPr>
-              <a:t>像素比（</a:t>
-            </a:r>
-            <a:r>
-              <a:rPr lang="en-US" altLang="zh-CN" b="1" dirty="0" err="1">
+              <a:t>（视口）</a:t>
+            </a:r>
+            <a:endParaRPr kumimoji="1" lang="zh-CN" altLang="en-US" dirty="0"/>
+          </a:p>
+        </p:txBody>
+      </p:sp>
+      <p:sp>
+        <p:nvSpPr>
+          <p:cNvPr id="3" name="内容占位符 2"/>
+          <p:cNvSpPr>
+            <a:spLocks noGrp="1"/>
+          </p:cNvSpPr>
+          <p:nvPr>
+            <p:ph idx="1"/>
+          </p:nvPr>
+        </p:nvSpPr>
+        <p:spPr/>
+        <p:txBody>
+          <a:bodyPr/>
+          <a:lstStyle/>
+          <a:p>
+            <a:pPr marL="342900" lvl="1" indent="-342900"/>
+            <a:r>
+              <a:rPr lang="en-US" altLang="zh-CN" sz="2400" dirty="0" smtClean="0">
                 <a:solidFill>
-                  <a:srgbClr val="F50A64"/>
+                  <a:srgbClr val="292929"/>
                 </a:solidFill>
-                <a:latin typeface="微软雅黑" charset="-122"/>
-                <a:ea typeface="微软雅黑" charset="-122"/>
-                <a:sym typeface="微软雅黑" charset="-122"/>
+                <a:latin typeface="微软雅黑" panose="020B0503020204020204" charset="-122"/>
+                <a:ea typeface="微软雅黑" panose="020B0503020204020204" charset="-122"/>
               </a:rPr>
-              <a:t>devicePixelRatio</a:t>
-            </a:r>
-            <a:r>
-              <a:rPr lang="zh-CN" altLang="en-US" b="1" dirty="0">
+              <a:t>width </a:t>
+            </a:r>
+            <a:r>
+              <a:rPr lang="zh-CN" altLang="en-US" sz="2400" dirty="0" smtClean="0">
                 <a:solidFill>
-                  <a:srgbClr val="F50A64"/>
+                  <a:srgbClr val="292929"/>
                 </a:solidFill>
-                <a:latin typeface="微软雅黑" charset="-122"/>
-                <a:ea typeface="微软雅黑" charset="-122"/>
-                <a:sym typeface="微软雅黑" charset="-122"/>
+                <a:latin typeface="微软雅黑" panose="020B0503020204020204" charset="-122"/>
+                <a:ea typeface="微软雅黑" panose="020B0503020204020204" charset="-122"/>
               </a:rPr>
-              <a:t>）</a:t>
-            </a:r>
-            <a:endParaRPr kumimoji="1" lang="zh-CN" altLang="en-US" dirty="0">
-              <a:solidFill>
-                <a:srgbClr val="FF0000"/>
-              </a:solidFill>
-            </a:endParaRPr>
-          </a:p>
-        </p:txBody>
-      </p:sp>
-      <p:sp>
-        <p:nvSpPr>
-          <p:cNvPr id="3" name="内容占位符 2"/>
-          <p:cNvSpPr>
-            <a:spLocks noGrp="1"/>
-          </p:cNvSpPr>
-          <p:nvPr>
-            <p:ph idx="4294967295"/>
-          </p:nvPr>
-        </p:nvSpPr>
-        <p:spPr>
-          <a:xfrm>
-            <a:off x="2743200" y="1519085"/>
-            <a:ext cx="9040761" cy="4925960"/>
-          </a:xfrm>
-        </p:spPr>
-        <p:txBody>
-          <a:bodyPr>
-            <a:normAutofit/>
-          </a:bodyPr>
-          <a:lstStyle/>
-          <a:p>
-            <a:pPr marL="342900" lvl="1" indent="-342900"/>
-            <a:r>
-              <a:rPr kumimoji="1" lang="zh-CN" altLang="en-US" sz="2400" dirty="0"/>
-              <a:t>获取像</a:t>
-            </a:r>
-            <a:r>
-              <a:rPr kumimoji="1" lang="zh-CN" altLang="en-US" sz="2400" dirty="0" smtClean="0"/>
-              <a:t>素比</a:t>
-            </a:r>
-            <a:r>
-              <a:rPr kumimoji="1" lang="en-US" altLang="zh-CN" sz="2400" dirty="0" smtClean="0"/>
-              <a:t>(</a:t>
-            </a:r>
-            <a:r>
-              <a:rPr kumimoji="1" lang="en-US" altLang="zh-CN" sz="2400" dirty="0" err="1" smtClean="0"/>
-              <a:t>dpr</a:t>
-            </a:r>
-            <a:r>
-              <a:rPr kumimoji="1" lang="en-US" altLang="zh-CN" sz="2400" dirty="0" smtClean="0"/>
-              <a:t>)</a:t>
-            </a:r>
-            <a:r>
-              <a:rPr kumimoji="1" lang="zh-CN" altLang="en-US" sz="2400" dirty="0" smtClean="0"/>
-              <a:t> </a:t>
-            </a:r>
-            <a:endParaRPr kumimoji="1" lang="en-US" altLang="zh-CN" sz="2400" dirty="0" smtClean="0"/>
-          </a:p>
-          <a:p>
-            <a:pPr marL="400050" lvl="2" indent="0">
-              <a:buNone/>
-            </a:pPr>
-            <a:r>
-              <a:rPr kumimoji="1" lang="en-US" altLang="zh-CN" sz="2200" dirty="0" err="1" smtClean="0"/>
-              <a:t>window.devicePixelRatio</a:t>
-            </a:r>
-            <a:r>
-              <a:rPr lang="zh-CN" altLang="en-US" sz="2200" dirty="0" smtClean="0"/>
-              <a:t>是</a:t>
-            </a:r>
-            <a:r>
-              <a:rPr lang="zh-CN" altLang="en-US" sz="2200" dirty="0"/>
-              <a:t>设备上物理像素和设备独立像素</a:t>
-            </a:r>
-            <a:endParaRPr lang="en-US" altLang="zh-CN" sz="2200" dirty="0"/>
-          </a:p>
-          <a:p>
-            <a:pPr marL="0" lvl="1" indent="0">
-              <a:buNone/>
-            </a:pPr>
-            <a:r>
-              <a:rPr lang="zh-CN" altLang="en-US" sz="2400" dirty="0"/>
-              <a:t>    表示就是：</a:t>
-            </a:r>
-            <a:r>
-              <a:rPr lang="en-US" altLang="zh-CN" sz="2400" dirty="0" err="1"/>
-              <a:t>window.devicePixelRatio</a:t>
-            </a:r>
-            <a:r>
-              <a:rPr lang="en-US" altLang="zh-CN" sz="2400" dirty="0"/>
-              <a:t> = </a:t>
-            </a:r>
-            <a:r>
-              <a:rPr lang="zh-CN" altLang="en-US" sz="2400" dirty="0"/>
-              <a:t>物理像素 </a:t>
-            </a:r>
-            <a:r>
-              <a:rPr lang="en-US" altLang="zh-CN" sz="2400" dirty="0"/>
-              <a:t>/ dips</a:t>
-            </a:r>
-            <a:r>
-              <a:rPr kumimoji="1" lang="zh-CN" altLang="en-US" sz="2400" dirty="0" smtClean="0"/>
-              <a:t>）</a:t>
-            </a:r>
-            <a:endParaRPr kumimoji="1" lang="en-US" altLang="zh-CN" sz="2400" dirty="0"/>
-          </a:p>
-          <a:p>
-            <a:r>
-              <a:rPr kumimoji="1" lang="zh-CN" altLang="en-US" sz="2400" dirty="0" smtClean="0"/>
-              <a:t>点， </a:t>
-            </a:r>
-            <a:r>
-              <a:rPr kumimoji="1" lang="en-US" altLang="zh-CN" sz="2400" dirty="0" smtClean="0"/>
-              <a:t>points  ( </a:t>
-            </a:r>
-            <a:r>
-              <a:rPr kumimoji="1" lang="zh-CN" altLang="en-US" sz="2400" dirty="0" smtClean="0"/>
-              <a:t>抽象单位</a:t>
-            </a:r>
-            <a:r>
-              <a:rPr kumimoji="1" lang="en-US" altLang="zh-CN" sz="2400" dirty="0" smtClean="0"/>
-              <a:t>,</a:t>
-            </a:r>
-            <a:r>
-              <a:rPr kumimoji="1" lang="zh-CN" altLang="en-US" sz="2400" dirty="0" smtClean="0"/>
-              <a:t>也可以理解为像素点的密度，像素点点密集是由</a:t>
-            </a:r>
-            <a:r>
-              <a:rPr kumimoji="1" lang="en-US" altLang="zh-CN" sz="2400" dirty="0" err="1" smtClean="0"/>
-              <a:t>dpr</a:t>
-            </a:r>
-            <a:r>
-              <a:rPr kumimoji="1" lang="zh-CN" altLang="en-US" sz="2400" dirty="0" smtClean="0"/>
-              <a:t>决定的</a:t>
-            </a:r>
-            <a:r>
-              <a:rPr kumimoji="1" lang="en-US" altLang="zh-CN" sz="2400" dirty="0" smtClean="0"/>
-              <a:t>)</a:t>
-            </a:r>
-          </a:p>
-          <a:p>
-            <a:pPr marL="342900" lvl="1" indent="-342900"/>
-            <a:r>
-              <a:rPr kumimoji="1" lang="zh-CN" altLang="en-US" sz="2400" dirty="0"/>
-              <a:t>像素渲染： 栅格渲染</a:t>
-            </a:r>
-            <a:endParaRPr kumimoji="1" lang="en-US" altLang="zh-CN" sz="2400" dirty="0"/>
-          </a:p>
-          <a:p>
-            <a:pPr marL="342900" lvl="1" indent="-342900">
-              <a:lnSpc>
-                <a:spcPct val="80000"/>
-              </a:lnSpc>
-            </a:pPr>
-            <a:r>
-              <a:rPr kumimoji="1" lang="zh-CN" altLang="en-US" sz="2400" dirty="0"/>
-              <a:t>参考：</a:t>
-            </a:r>
-            <a:r>
-              <a:rPr kumimoji="1" lang="en-US" altLang="zh-CN" sz="2400" dirty="0"/>
-              <a:t> </a:t>
-            </a:r>
-          </a:p>
-          <a:p>
-            <a:pPr lvl="1">
-              <a:lnSpc>
-                <a:spcPct val="80000"/>
-              </a:lnSpc>
-              <a:buClr>
-                <a:srgbClr val="F50A64"/>
-              </a:buClr>
-              <a:buNone/>
-            </a:pPr>
-            <a:r>
-              <a:rPr lang="en-US" altLang="zh-CN" sz="1800" dirty="0">
+              <a:t>设备宽度 </a:t>
+            </a:r>
+            <a:r>
+              <a:rPr lang="en-US" altLang="zh-CN" sz="2400" dirty="0" smtClean="0">
                 <a:solidFill>
-                  <a:srgbClr val="595959"/>
+                  <a:srgbClr val="292929"/>
                 </a:solidFill>
-                <a:latin typeface="微软雅黑" charset="-122"/>
-                <a:ea typeface="微软雅黑" charset="-122"/>
+                <a:latin typeface="微软雅黑" panose="020B0503020204020204" charset="-122"/>
+                <a:ea typeface="微软雅黑" panose="020B0503020204020204" charset="-122"/>
               </a:rPr>
-              <a:t>http://</a:t>
-            </a:r>
-            <a:r>
-              <a:rPr lang="en-US" altLang="zh-CN" sz="1800" dirty="0" err="1">
+              <a:t>[</a:t>
+            </a:r>
+            <a:r>
+              <a:rPr lang="en-US" altLang="zh-CN" sz="2400" dirty="0" err="1" smtClean="0">
                 <a:solidFill>
-                  <a:srgbClr val="595959"/>
+                  <a:srgbClr val="292929"/>
                 </a:solidFill>
-                <a:latin typeface="微软雅黑" charset="-122"/>
-                <a:ea typeface="微软雅黑" charset="-122"/>
+                <a:latin typeface="微软雅黑" panose="020B0503020204020204" charset="-122"/>
+                <a:ea typeface="微软雅黑" panose="020B0503020204020204" charset="-122"/>
               </a:rPr>
-              <a:t>www.paintcodeapp.com</a:t>
-            </a:r>
-            <a:r>
-              <a:rPr lang="en-US" altLang="zh-CN" sz="1800" dirty="0">
+              <a:t>pixel_value</a:t>
+            </a:r>
+            <a:r>
+              <a:rPr lang="en-US" altLang="zh-CN" sz="2400" dirty="0">
                 <a:solidFill>
-                  <a:srgbClr val="595959"/>
+                  <a:srgbClr val="292929"/>
                 </a:solidFill>
-                <a:latin typeface="微软雅黑" charset="-122"/>
-                <a:ea typeface="微软雅黑" charset="-122"/>
+                <a:latin typeface="微软雅黑" panose="020B0503020204020204" charset="-122"/>
+                <a:ea typeface="微软雅黑" panose="020B0503020204020204" charset="-122"/>
               </a:rPr>
-              <a:t>/news/ultimate-guide-to-</a:t>
-            </a:r>
-            <a:r>
-              <a:rPr lang="en-US" altLang="zh-CN" sz="1800" dirty="0" err="1">
-                <a:solidFill>
-                  <a:srgbClr val="595959"/>
-                </a:solidFill>
-                <a:latin typeface="微软雅黑" charset="-122"/>
-                <a:ea typeface="微软雅黑" charset="-122"/>
-              </a:rPr>
-              <a:t>iphone</a:t>
-            </a:r>
-            <a:r>
-              <a:rPr lang="en-US" altLang="zh-CN" sz="1800" dirty="0">
-                <a:solidFill>
-                  <a:srgbClr val="595959"/>
-                </a:solidFill>
-                <a:latin typeface="微软雅黑" charset="-122"/>
-                <a:ea typeface="微软雅黑" charset="-122"/>
-              </a:rPr>
-              <a:t>-resolutions</a:t>
-            </a:r>
-            <a:endParaRPr lang="zh-CN" altLang="en-US" sz="2800" dirty="0">
+              <a:t>| device-width]</a:t>
+            </a:r>
+            <a:endParaRPr lang="zh-CN" altLang="en-US" sz="2400" dirty="0">
               <a:solidFill>
                 <a:srgbClr val="292929"/>
               </a:solidFill>
-              <a:latin typeface="微软雅黑" charset="-122"/>
-              <a:ea typeface="微软雅黑" charset="-122"/>
+              <a:latin typeface="微软雅黑" panose="020B0503020204020204" charset="-122"/>
+              <a:ea typeface="微软雅黑" panose="020B0503020204020204" charset="-122"/>
             </a:endParaRPr>
           </a:p>
           <a:p>
+            <a:r>
+              <a:rPr lang="en-US" altLang="zh-CN" sz="2400" dirty="0">
+                <a:solidFill>
+                  <a:srgbClr val="292929"/>
+                </a:solidFill>
+                <a:latin typeface="微软雅黑" panose="020B0503020204020204" charset="-122"/>
+                <a:ea typeface="微软雅黑" panose="020B0503020204020204" charset="-122"/>
+              </a:rPr>
+              <a:t>user-scalable </a:t>
+            </a:r>
+            <a:r>
+              <a:rPr lang="zh-CN" altLang="en-US" sz="2400" dirty="0">
+                <a:solidFill>
+                  <a:srgbClr val="292929"/>
+                </a:solidFill>
+                <a:latin typeface="微软雅黑" panose="020B0503020204020204" charset="-122"/>
+                <a:ea typeface="微软雅黑" panose="020B0503020204020204" charset="-122"/>
+              </a:rPr>
+              <a:t>是否允许缩放 （</a:t>
+            </a:r>
+            <a:r>
+              <a:rPr lang="en-US" altLang="zh-CN" sz="2400" dirty="0">
+                <a:solidFill>
+                  <a:srgbClr val="292929"/>
+                </a:solidFill>
+                <a:latin typeface="微软雅黑" panose="020B0503020204020204" charset="-122"/>
+                <a:ea typeface="微软雅黑" panose="020B0503020204020204" charset="-122"/>
+              </a:rPr>
+              <a:t>no||yes</a:t>
+            </a:r>
+            <a:r>
+              <a:rPr lang="zh-CN" altLang="en-US" sz="2400" dirty="0">
+                <a:solidFill>
+                  <a:srgbClr val="292929"/>
+                </a:solidFill>
+                <a:latin typeface="微软雅黑" panose="020B0503020204020204" charset="-122"/>
+                <a:ea typeface="微软雅黑" panose="020B0503020204020204" charset="-122"/>
+              </a:rPr>
+              <a:t>）</a:t>
+            </a:r>
+            <a:r>
+              <a:rPr lang="en-US" altLang="zh-CN" sz="2400" dirty="0">
+                <a:solidFill>
+                  <a:srgbClr val="292929"/>
+                </a:solidFill>
+                <a:latin typeface="微软雅黑" panose="020B0503020204020204" charset="-122"/>
+                <a:ea typeface="微软雅黑" panose="020B0503020204020204" charset="-122"/>
+              </a:rPr>
+              <a:t> ios10</a:t>
+            </a:r>
+            <a:r>
+              <a:rPr lang="zh-CN" altLang="en-US" sz="2400" dirty="0">
+                <a:solidFill>
+                  <a:srgbClr val="292929"/>
+                </a:solidFill>
+                <a:latin typeface="微软雅黑" panose="020B0503020204020204" charset="-122"/>
+                <a:ea typeface="微软雅黑" panose="020B0503020204020204" charset="-122"/>
+              </a:rPr>
+              <a:t>无效</a:t>
+            </a:r>
+            <a:endParaRPr lang="en-US" altLang="zh-CN" sz="2400" dirty="0">
+              <a:solidFill>
+                <a:srgbClr val="292929"/>
+              </a:solidFill>
+              <a:latin typeface="微软雅黑" panose="020B0503020204020204" charset="-122"/>
+              <a:ea typeface="微软雅黑" panose="020B0503020204020204" charset="-122"/>
+            </a:endParaRPr>
+          </a:p>
+          <a:p>
             <a:pPr marL="342900" lvl="1" indent="-342900"/>
-            <a:endParaRPr kumimoji="1" lang="en-US" altLang="zh-CN" sz="1800" dirty="0"/>
-          </a:p>
-          <a:p>
-            <a:endParaRPr kumimoji="1" lang="en-US" altLang="zh-CN" dirty="0"/>
+            <a:r>
+              <a:rPr lang="en-US" altLang="zh-CN" sz="2400" dirty="0">
+                <a:solidFill>
+                  <a:srgbClr val="292929"/>
+                </a:solidFill>
+                <a:latin typeface="微软雅黑" panose="020B0503020204020204" charset="-122"/>
+                <a:ea typeface="微软雅黑" panose="020B0503020204020204" charset="-122"/>
+              </a:rPr>
+              <a:t>initial-scale </a:t>
+            </a:r>
+            <a:r>
+              <a:rPr lang="zh-CN" altLang="en-US" sz="2400" dirty="0">
+                <a:solidFill>
+                  <a:srgbClr val="292929"/>
+                </a:solidFill>
+                <a:latin typeface="微软雅黑" panose="020B0503020204020204" charset="-122"/>
+                <a:ea typeface="微软雅黑" panose="020B0503020204020204" charset="-122"/>
+              </a:rPr>
+              <a:t>初始比例</a:t>
+            </a:r>
+            <a:endParaRPr lang="en-US" altLang="zh-CN" sz="2400" dirty="0">
+              <a:solidFill>
+                <a:srgbClr val="292929"/>
+              </a:solidFill>
+              <a:latin typeface="微软雅黑" panose="020B0503020204020204" charset="-122"/>
+              <a:ea typeface="微软雅黑" panose="020B0503020204020204" charset="-122"/>
+            </a:endParaRPr>
+          </a:p>
+          <a:p>
+            <a:pPr marL="342900" lvl="1" indent="-342900"/>
+            <a:r>
+              <a:rPr lang="en-US" altLang="zh-CN" sz="2400" dirty="0">
+                <a:solidFill>
+                  <a:srgbClr val="292929"/>
+                </a:solidFill>
+                <a:latin typeface="微软雅黑" panose="020B0503020204020204" charset="-122"/>
+                <a:ea typeface="微软雅黑" panose="020B0503020204020204" charset="-122"/>
+              </a:rPr>
+              <a:t>minimum-scale </a:t>
+            </a:r>
+            <a:r>
+              <a:rPr lang="zh-CN" altLang="en-US" sz="2400" dirty="0">
+                <a:solidFill>
+                  <a:srgbClr val="292929"/>
+                </a:solidFill>
+                <a:latin typeface="微软雅黑" panose="020B0503020204020204" charset="-122"/>
+                <a:ea typeface="微软雅黑" panose="020B0503020204020204" charset="-122"/>
+              </a:rPr>
+              <a:t>允许缩放的最小比例</a:t>
+            </a:r>
+            <a:endParaRPr lang="en-US" altLang="zh-CN" sz="2400" dirty="0">
+              <a:solidFill>
+                <a:srgbClr val="292929"/>
+              </a:solidFill>
+              <a:latin typeface="微软雅黑" panose="020B0503020204020204" charset="-122"/>
+              <a:ea typeface="微软雅黑" panose="020B0503020204020204" charset="-122"/>
+            </a:endParaRPr>
+          </a:p>
+          <a:p>
+            <a:pPr marL="342900" lvl="1" indent="-342900"/>
+            <a:r>
+              <a:rPr lang="en-US" altLang="zh-CN" sz="2400" dirty="0">
+                <a:solidFill>
+                  <a:srgbClr val="292929"/>
+                </a:solidFill>
+                <a:latin typeface="微软雅黑" panose="020B0503020204020204" charset="-122"/>
+                <a:ea typeface="微软雅黑" panose="020B0503020204020204" charset="-122"/>
+              </a:rPr>
+              <a:t>maximum-scale </a:t>
+            </a:r>
+            <a:r>
+              <a:rPr lang="zh-CN" altLang="en-US" sz="2400" dirty="0">
+                <a:solidFill>
+                  <a:srgbClr val="292929"/>
+                </a:solidFill>
+                <a:latin typeface="微软雅黑" panose="020B0503020204020204" charset="-122"/>
+                <a:ea typeface="微软雅黑" panose="020B0503020204020204" charset="-122"/>
+              </a:rPr>
+              <a:t>允许缩放的最大比例 </a:t>
+            </a:r>
+            <a:r>
+              <a:rPr lang="en-US" altLang="zh-CN" sz="2400" dirty="0">
+                <a:solidFill>
+                  <a:srgbClr val="292929"/>
+                </a:solidFill>
+                <a:latin typeface="微软雅黑" panose="020B0503020204020204" charset="-122"/>
+                <a:ea typeface="微软雅黑" panose="020B0503020204020204" charset="-122"/>
+              </a:rPr>
+              <a:t>IOS10</a:t>
+            </a:r>
+            <a:r>
+              <a:rPr lang="zh-CN" altLang="en-US" sz="2400" dirty="0">
+                <a:solidFill>
+                  <a:srgbClr val="292929"/>
+                </a:solidFill>
+                <a:latin typeface="微软雅黑" panose="020B0503020204020204" charset="-122"/>
+                <a:ea typeface="微软雅黑" panose="020B0503020204020204" charset="-122"/>
+              </a:rPr>
+              <a:t>无效</a:t>
+            </a:r>
+            <a:endParaRPr lang="en-US" altLang="zh-CN" sz="2400" dirty="0">
+              <a:solidFill>
+                <a:srgbClr val="292929"/>
+              </a:solidFill>
+              <a:latin typeface="微软雅黑" panose="020B0503020204020204" charset="-122"/>
+              <a:ea typeface="微软雅黑" panose="020B0503020204020204" charset="-122"/>
+            </a:endParaRPr>
+          </a:p>
+          <a:p>
+            <a:pPr marL="342900" lvl="1" indent="-342900"/>
+            <a:r>
+              <a:rPr lang="zh-CN" altLang="en-US" sz="2400" dirty="0">
+                <a:solidFill>
+                  <a:srgbClr val="292929"/>
+                </a:solidFill>
+                <a:latin typeface="微软雅黑" panose="020B0503020204020204" charset="-122"/>
+                <a:ea typeface="微软雅黑" panose="020B0503020204020204" charset="-122"/>
+              </a:rPr>
+              <a:t>动态控制比例	</a:t>
+            </a:r>
+            <a:r>
+              <a:rPr lang="en-US" altLang="zh-CN" sz="2400" dirty="0">
+                <a:solidFill>
+                  <a:srgbClr val="292929"/>
+                </a:solidFill>
+                <a:latin typeface="微软雅黑" panose="020B0503020204020204" charset="-122"/>
+                <a:ea typeface="微软雅黑" panose="020B0503020204020204" charset="-122"/>
+              </a:rPr>
+              <a:t>1/</a:t>
+            </a:r>
+            <a:r>
+              <a:rPr lang="zh-CN" altLang="en-US" sz="2400" dirty="0">
+                <a:solidFill>
+                  <a:srgbClr val="292929"/>
+                </a:solidFill>
+                <a:latin typeface="微软雅黑" panose="020B0503020204020204" charset="-122"/>
+                <a:ea typeface="微软雅黑" panose="020B0503020204020204" charset="-122"/>
+              </a:rPr>
+              <a:t>像素比</a:t>
+            </a:r>
+            <a:endParaRPr lang="zh-CN" altLang="en-US" sz="2400" dirty="0">
+              <a:solidFill>
+                <a:srgbClr val="292929"/>
+              </a:solidFill>
+              <a:latin typeface="微软雅黑" panose="020B0503020204020204" charset="-122"/>
+              <a:ea typeface="微软雅黑" panose="020B0503020204020204" charset="-122"/>
+            </a:endParaRPr>
+          </a:p>
+          <a:p>
+            <a:endParaRPr kumimoji="1" lang="zh-CN" altLang="en-US" dirty="0">
+              <a:solidFill>
+                <a:schemeClr val="tx2">
+                  <a:lumMod val="40000"/>
+                  <a:lumOff val="60000"/>
+                </a:schemeClr>
+              </a:solidFill>
+            </a:endParaRPr>
           </a:p>
         </p:txBody>
       </p:sp>
     </p:spTree>
-    <p:extLst>
-      <p:ext uri="{BB962C8B-B14F-4D97-AF65-F5344CB8AC3E}">
-        <p14:creationId xmlns:p14="http://schemas.microsoft.com/office/powerpoint/2010/main" val="1866721977"/>
-      </p:ext>
-    </p:extLst>
   </p:cSld>
   <p:clrMapOvr>
     <a:masterClrMapping/>
@@ -8711,335 +8852,133 @@
           <a:lstStyle/>
           <a:p>
             <a:r>
-              <a:rPr lang="en-US" altLang="zh-CN" b="1" dirty="0">
+              <a:rPr kumimoji="1" lang="en-US" altLang="zh-CN" dirty="0">
                 <a:solidFill>
-                  <a:srgbClr val="F50A64"/>
+                  <a:srgbClr val="FF0000"/>
                 </a:solidFill>
-                <a:latin typeface="微软雅黑" charset="-122"/>
-                <a:ea typeface="微软雅黑" charset="-122"/>
-                <a:sym typeface="微软雅黑" charset="-122"/>
               </a:rPr>
-              <a:t>viewport</a:t>
-            </a:r>
-            <a:r>
-              <a:rPr lang="zh-CN" altLang="en-US" b="1" dirty="0">
+              <a:t> </a:t>
+            </a:r>
+            <a:r>
+              <a:rPr kumimoji="1" lang="en-US" altLang="zh-CN" dirty="0" smtClean="0">
                 <a:solidFill>
-                  <a:srgbClr val="F50A64"/>
+                  <a:srgbClr val="FF0000"/>
                 </a:solidFill>
-                <a:latin typeface="微软雅黑" charset="-122"/>
-                <a:ea typeface="微软雅黑" charset="-122"/>
-                <a:sym typeface="微软雅黑" charset="-122"/>
               </a:rPr>
-              <a:t>（视口）</a:t>
-            </a:r>
-            <a:endParaRPr kumimoji="1" lang="zh-CN" altLang="en-US" dirty="0"/>
-          </a:p>
-        </p:txBody>
-      </p:sp>
-      <p:sp>
-        <p:nvSpPr>
-          <p:cNvPr id="3" name="内容占位符 2"/>
-          <p:cNvSpPr>
-            <a:spLocks noGrp="1"/>
-          </p:cNvSpPr>
-          <p:nvPr>
-            <p:ph idx="1"/>
-          </p:nvPr>
-        </p:nvSpPr>
-        <p:spPr/>
-        <p:txBody>
-          <a:bodyPr/>
-          <a:lstStyle/>
-          <a:p>
-            <a:pPr marL="342900" lvl="1" indent="-342900"/>
-            <a:r>
-              <a:rPr lang="en-US" altLang="zh-CN" sz="2400" dirty="0" smtClean="0">
+              <a:t>rem</a:t>
+            </a:r>
+            <a:r>
+              <a:rPr kumimoji="1" lang="zh-CN" altLang="en-US" dirty="0" smtClean="0">
                 <a:solidFill>
-                  <a:srgbClr val="292929"/>
+                  <a:srgbClr val="FF0000"/>
                 </a:solidFill>
-                <a:latin typeface="微软雅黑" charset="-122"/>
-                <a:ea typeface="微软雅黑" charset="-122"/>
               </a:rPr>
-              <a:t>width </a:t>
-            </a:r>
-            <a:r>
-              <a:rPr lang="zh-CN" altLang="en-US" sz="2400" dirty="0" smtClean="0">
-                <a:solidFill>
-                  <a:srgbClr val="292929"/>
-                </a:solidFill>
-                <a:latin typeface="微软雅黑" charset="-122"/>
-                <a:ea typeface="微软雅黑" charset="-122"/>
-              </a:rPr>
-              <a:t>设备宽度 </a:t>
-            </a:r>
-            <a:r>
-              <a:rPr lang="en-US" altLang="zh-CN" sz="2400" dirty="0" smtClean="0">
-                <a:solidFill>
-                  <a:srgbClr val="292929"/>
-                </a:solidFill>
-                <a:latin typeface="微软雅黑" charset="-122"/>
-                <a:ea typeface="微软雅黑" charset="-122"/>
-              </a:rPr>
-              <a:t>[</a:t>
-            </a:r>
-            <a:r>
-              <a:rPr lang="en-US" altLang="zh-CN" sz="2400" dirty="0" err="1" smtClean="0">
-                <a:solidFill>
-                  <a:srgbClr val="292929"/>
-                </a:solidFill>
-                <a:latin typeface="微软雅黑" charset="-122"/>
-                <a:ea typeface="微软雅黑" charset="-122"/>
-              </a:rPr>
-              <a:t>pixel_value</a:t>
-            </a:r>
-            <a:r>
-              <a:rPr lang="en-US" altLang="zh-CN" sz="2400" dirty="0">
-                <a:solidFill>
-                  <a:srgbClr val="292929"/>
-                </a:solidFill>
-                <a:latin typeface="微软雅黑" charset="-122"/>
-                <a:ea typeface="微软雅黑" charset="-122"/>
-              </a:rPr>
-              <a:t>| device-width]</a:t>
-            </a:r>
-            <a:endParaRPr lang="zh-CN" altLang="en-US" sz="2400" dirty="0">
-              <a:solidFill>
-                <a:srgbClr val="292929"/>
-              </a:solidFill>
-              <a:latin typeface="微软雅黑" charset="-122"/>
-              <a:ea typeface="微软雅黑" charset="-122"/>
-            </a:endParaRPr>
-          </a:p>
-          <a:p>
-            <a:r>
-              <a:rPr lang="en-US" altLang="zh-CN" sz="2400" dirty="0">
-                <a:solidFill>
-                  <a:srgbClr val="292929"/>
-                </a:solidFill>
-                <a:latin typeface="微软雅黑" charset="-122"/>
-                <a:ea typeface="微软雅黑" charset="-122"/>
-              </a:rPr>
-              <a:t>user-scalable </a:t>
-            </a:r>
-            <a:r>
-              <a:rPr lang="zh-CN" altLang="en-US" sz="2400" dirty="0">
-                <a:solidFill>
-                  <a:srgbClr val="292929"/>
-                </a:solidFill>
-                <a:latin typeface="微软雅黑" charset="-122"/>
-                <a:ea typeface="微软雅黑" charset="-122"/>
-              </a:rPr>
-              <a:t>是否允许缩放 （</a:t>
-            </a:r>
-            <a:r>
-              <a:rPr lang="en-US" altLang="zh-CN" sz="2400" dirty="0">
-                <a:solidFill>
-                  <a:srgbClr val="292929"/>
-                </a:solidFill>
-                <a:latin typeface="微软雅黑" charset="-122"/>
-                <a:ea typeface="微软雅黑" charset="-122"/>
-              </a:rPr>
-              <a:t>no||yes</a:t>
-            </a:r>
-            <a:r>
-              <a:rPr lang="zh-CN" altLang="en-US" sz="2400" dirty="0">
-                <a:solidFill>
-                  <a:srgbClr val="292929"/>
-                </a:solidFill>
-                <a:latin typeface="微软雅黑" charset="-122"/>
-                <a:ea typeface="微软雅黑" charset="-122"/>
-              </a:rPr>
-              <a:t>）</a:t>
-            </a:r>
-            <a:r>
-              <a:rPr lang="en-US" altLang="zh-CN" sz="2400" dirty="0">
-                <a:solidFill>
-                  <a:srgbClr val="292929"/>
-                </a:solidFill>
-                <a:latin typeface="微软雅黑" charset="-122"/>
-                <a:ea typeface="微软雅黑" charset="-122"/>
-              </a:rPr>
-              <a:t> ios10</a:t>
-            </a:r>
-            <a:r>
-              <a:rPr lang="zh-CN" altLang="en-US" sz="2400" dirty="0">
-                <a:solidFill>
-                  <a:srgbClr val="292929"/>
-                </a:solidFill>
-                <a:latin typeface="微软雅黑" charset="-122"/>
-                <a:ea typeface="微软雅黑" charset="-122"/>
-              </a:rPr>
-              <a:t>无效</a:t>
-            </a:r>
-            <a:endParaRPr lang="en-US" altLang="zh-CN" sz="2400" dirty="0">
-              <a:solidFill>
-                <a:srgbClr val="292929"/>
-              </a:solidFill>
-              <a:latin typeface="微软雅黑" charset="-122"/>
-              <a:ea typeface="微软雅黑" charset="-122"/>
-            </a:endParaRPr>
-          </a:p>
-          <a:p>
-            <a:pPr marL="342900" lvl="1" indent="-342900"/>
-            <a:r>
-              <a:rPr lang="en-US" altLang="zh-CN" sz="2400" dirty="0">
-                <a:solidFill>
-                  <a:srgbClr val="292929"/>
-                </a:solidFill>
-                <a:latin typeface="微软雅黑" charset="-122"/>
-                <a:ea typeface="微软雅黑" charset="-122"/>
-              </a:rPr>
-              <a:t>initial-scale </a:t>
-            </a:r>
-            <a:r>
-              <a:rPr lang="zh-CN" altLang="en-US" sz="2400" dirty="0">
-                <a:solidFill>
-                  <a:srgbClr val="292929"/>
-                </a:solidFill>
-                <a:latin typeface="微软雅黑" charset="-122"/>
-                <a:ea typeface="微软雅黑" charset="-122"/>
-              </a:rPr>
-              <a:t>初始比例</a:t>
-            </a:r>
-            <a:endParaRPr lang="en-US" altLang="zh-CN" sz="2400" dirty="0">
-              <a:solidFill>
-                <a:srgbClr val="292929"/>
-              </a:solidFill>
-              <a:latin typeface="微软雅黑" charset="-122"/>
-              <a:ea typeface="微软雅黑" charset="-122"/>
-            </a:endParaRPr>
-          </a:p>
-          <a:p>
-            <a:pPr marL="342900" lvl="1" indent="-342900"/>
-            <a:r>
-              <a:rPr lang="en-US" altLang="zh-CN" sz="2400" dirty="0">
-                <a:solidFill>
-                  <a:srgbClr val="292929"/>
-                </a:solidFill>
-                <a:latin typeface="微软雅黑" charset="-122"/>
-                <a:ea typeface="微软雅黑" charset="-122"/>
-              </a:rPr>
-              <a:t>minimum-scale </a:t>
-            </a:r>
-            <a:r>
-              <a:rPr lang="zh-CN" altLang="en-US" sz="2400" dirty="0">
-                <a:solidFill>
-                  <a:srgbClr val="292929"/>
-                </a:solidFill>
-                <a:latin typeface="微软雅黑" charset="-122"/>
-                <a:ea typeface="微软雅黑" charset="-122"/>
-              </a:rPr>
-              <a:t>允许缩放的最小比例</a:t>
-            </a:r>
-            <a:endParaRPr lang="en-US" altLang="zh-CN" sz="2400" dirty="0">
-              <a:solidFill>
-                <a:srgbClr val="292929"/>
-              </a:solidFill>
-              <a:latin typeface="微软雅黑" charset="-122"/>
-              <a:ea typeface="微软雅黑" charset="-122"/>
-            </a:endParaRPr>
-          </a:p>
-          <a:p>
-            <a:pPr marL="342900" lvl="1" indent="-342900"/>
-            <a:r>
-              <a:rPr lang="en-US" altLang="zh-CN" sz="2400" dirty="0">
-                <a:solidFill>
-                  <a:srgbClr val="292929"/>
-                </a:solidFill>
-                <a:latin typeface="微软雅黑" charset="-122"/>
-                <a:ea typeface="微软雅黑" charset="-122"/>
-              </a:rPr>
-              <a:t>maximum-scale </a:t>
-            </a:r>
-            <a:r>
-              <a:rPr lang="zh-CN" altLang="en-US" sz="2400" dirty="0">
-                <a:solidFill>
-                  <a:srgbClr val="292929"/>
-                </a:solidFill>
-                <a:latin typeface="微软雅黑" charset="-122"/>
-                <a:ea typeface="微软雅黑" charset="-122"/>
-              </a:rPr>
-              <a:t>允许缩放的最大比例 </a:t>
-            </a:r>
-            <a:r>
-              <a:rPr lang="en-US" altLang="zh-CN" sz="2400" dirty="0">
-                <a:solidFill>
-                  <a:srgbClr val="292929"/>
-                </a:solidFill>
-                <a:latin typeface="微软雅黑" charset="-122"/>
-                <a:ea typeface="微软雅黑" charset="-122"/>
-              </a:rPr>
-              <a:t>IOS10</a:t>
-            </a:r>
-            <a:r>
-              <a:rPr lang="zh-CN" altLang="en-US" sz="2400" dirty="0">
-                <a:solidFill>
-                  <a:srgbClr val="292929"/>
-                </a:solidFill>
-                <a:latin typeface="微软雅黑" charset="-122"/>
-                <a:ea typeface="微软雅黑" charset="-122"/>
-              </a:rPr>
-              <a:t>无效</a:t>
-            </a:r>
-            <a:endParaRPr lang="en-US" altLang="zh-CN" sz="2400" dirty="0">
-              <a:solidFill>
-                <a:srgbClr val="292929"/>
-              </a:solidFill>
-              <a:latin typeface="微软雅黑" charset="-122"/>
-              <a:ea typeface="微软雅黑" charset="-122"/>
-            </a:endParaRPr>
-          </a:p>
-          <a:p>
-            <a:pPr marL="342900" lvl="1" indent="-342900"/>
-            <a:r>
-              <a:rPr lang="zh-CN" altLang="en-US" sz="2400" dirty="0">
-                <a:solidFill>
-                  <a:srgbClr val="292929"/>
-                </a:solidFill>
-                <a:latin typeface="微软雅黑" charset="-122"/>
-                <a:ea typeface="微软雅黑" charset="-122"/>
-              </a:rPr>
-              <a:t>动态控制比例	</a:t>
-            </a:r>
-            <a:r>
-              <a:rPr lang="en-US" altLang="zh-CN" sz="2400" dirty="0">
-                <a:solidFill>
-                  <a:srgbClr val="292929"/>
-                </a:solidFill>
-                <a:latin typeface="微软雅黑" charset="-122"/>
-                <a:ea typeface="微软雅黑" charset="-122"/>
-              </a:rPr>
-              <a:t>1/</a:t>
-            </a:r>
-            <a:r>
-              <a:rPr lang="zh-CN" altLang="en-US" sz="2400" dirty="0">
-                <a:solidFill>
-                  <a:srgbClr val="292929"/>
-                </a:solidFill>
-                <a:latin typeface="微软雅黑" charset="-122"/>
-                <a:ea typeface="微软雅黑" charset="-122"/>
-              </a:rPr>
-              <a:t>像素比</a:t>
-            </a:r>
-          </a:p>
-          <a:p>
+              <a:t>用法</a:t>
+            </a:r>
             <a:endParaRPr kumimoji="1" lang="zh-CN" altLang="en-US" dirty="0">
               <a:solidFill>
-                <a:schemeClr val="tx2">
-                  <a:lumMod val="40000"/>
-                  <a:lumOff val="60000"/>
-                </a:schemeClr>
+                <a:srgbClr val="FF0000"/>
               </a:solidFill>
             </a:endParaRPr>
           </a:p>
         </p:txBody>
       </p:sp>
+      <p:sp>
+        <p:nvSpPr>
+          <p:cNvPr id="3" name="内容占位符 2"/>
+          <p:cNvSpPr>
+            <a:spLocks noGrp="1"/>
+          </p:cNvSpPr>
+          <p:nvPr>
+            <p:ph idx="1"/>
+          </p:nvPr>
+        </p:nvSpPr>
+        <p:spPr/>
+        <p:txBody>
+          <a:bodyPr>
+            <a:normAutofit/>
+          </a:bodyPr>
+          <a:lstStyle/>
+          <a:p>
+            <a:r>
+              <a:rPr lang="en-US" altLang="zh-CN" dirty="0"/>
+              <a:t>rem</a:t>
+            </a:r>
+            <a:r>
+              <a:rPr lang="zh-CN" altLang="en-US" dirty="0"/>
+              <a:t>是只相对于根元素</a:t>
+            </a:r>
+            <a:r>
+              <a:rPr lang="en-US" altLang="zh-CN" dirty="0" err="1"/>
+              <a:t>htm</a:t>
+            </a:r>
+            <a:r>
+              <a:rPr lang="zh-CN" altLang="en-US" dirty="0"/>
+              <a:t>的</a:t>
+            </a:r>
+            <a:r>
+              <a:rPr lang="en-US" altLang="zh-CN" dirty="0"/>
+              <a:t>font-size</a:t>
+            </a:r>
+            <a:r>
+              <a:rPr lang="zh-CN" altLang="en-US" dirty="0"/>
+              <a:t>，即只需要设置根元素的</a:t>
+            </a:r>
+            <a:r>
+              <a:rPr lang="en-US" altLang="zh-CN" dirty="0"/>
+              <a:t>font-size</a:t>
+            </a:r>
+            <a:r>
+              <a:rPr lang="zh-CN" altLang="en-US" dirty="0"/>
+              <a:t>，其它元素使用</a:t>
+            </a:r>
+            <a:r>
+              <a:rPr lang="en-US" altLang="zh-CN" dirty="0"/>
+              <a:t>rem</a:t>
+            </a:r>
+            <a:r>
+              <a:rPr lang="zh-CN" altLang="en-US" dirty="0"/>
+              <a:t>单位设置成相应的百分比</a:t>
+            </a:r>
+            <a:r>
+              <a:rPr lang="zh-CN" altLang="en-US" dirty="0" smtClean="0"/>
+              <a:t>即可。</a:t>
+            </a:r>
+            <a:endParaRPr lang="zh-CN" altLang="en-US" dirty="0"/>
+          </a:p>
+        </p:txBody>
+      </p:sp>
+      <p:pic>
+        <p:nvPicPr>
+          <p:cNvPr id="4" name="图片 3"/>
+          <p:cNvPicPr>
+            <a:picLocks noChangeAspect="1"/>
+          </p:cNvPicPr>
+          <p:nvPr/>
+        </p:nvPicPr>
+        <p:blipFill>
+          <a:blip r:embed="rId1">
+            <a:extLst>
+              <a:ext uri="{28A0092B-C50C-407E-A947-70E740481C1C}">
+                <a14:useLocalDpi xmlns:a14="http://schemas.microsoft.com/office/drawing/2010/main" val="0"/>
+              </a:ext>
+            </a:extLst>
+          </a:blip>
+          <a:stretch>
+            <a:fillRect/>
+          </a:stretch>
+        </p:blipFill>
+        <p:spPr>
+          <a:xfrm>
+            <a:off x="2589212" y="3101009"/>
+            <a:ext cx="8423345" cy="3341355"/>
+          </a:xfrm>
+          <a:prstGeom prst="rect">
+            <a:avLst/>
+          </a:prstGeom>
+        </p:spPr>
+      </p:pic>
     </p:spTree>
-    <p:extLst>
-      <p:ext uri="{BB962C8B-B14F-4D97-AF65-F5344CB8AC3E}">
-        <p14:creationId xmlns:p14="http://schemas.microsoft.com/office/powerpoint/2010/main" val="199813959"/>
-      </p:ext>
-    </p:extLst>
   </p:cSld>
   <p:clrMapOvr>
     <a:masterClrMapping/>
@@ -9071,37 +9010,51 @@
             <a:spLocks noGrp="1"/>
           </p:cNvSpPr>
           <p:nvPr>
-            <p:ph type="title"/>
-          </p:nvPr>
-        </p:nvSpPr>
-        <p:spPr/>
+            <p:ph type="title" idx="4294967295"/>
+          </p:nvPr>
+        </p:nvSpPr>
+        <p:spPr>
+          <a:xfrm>
+            <a:off x="2743201" y="623888"/>
+            <a:ext cx="9448800" cy="1057428"/>
+          </a:xfrm>
+        </p:spPr>
         <p:txBody>
           <a:bodyPr/>
           <a:lstStyle/>
           <a:p>
             <a:r>
-              <a:rPr kumimoji="1" lang="en-US" altLang="zh-CN" dirty="0">
+              <a:rPr lang="zh-CN" altLang="en-US" b="1" dirty="0">
                 <a:solidFill>
-                  <a:srgbClr val="FF0000"/>
+                  <a:srgbClr val="F50A64"/>
                 </a:solidFill>
+                <a:latin typeface="微软雅黑" panose="020B0503020204020204" charset="-122"/>
+                <a:ea typeface="微软雅黑" panose="020B0503020204020204" charset="-122"/>
+                <a:sym typeface="微软雅黑" panose="020B0503020204020204" charset="-122"/>
               </a:rPr>
-              <a:t> </a:t>
-            </a:r>
-            <a:r>
-              <a:rPr kumimoji="1" lang="en-US" altLang="zh-CN" dirty="0" smtClean="0">
+              <a:t>像素比（</a:t>
+            </a:r>
+            <a:r>
+              <a:rPr lang="en-US" altLang="zh-CN" b="1" dirty="0" err="1">
                 <a:solidFill>
-                  <a:srgbClr val="FF0000"/>
+                  <a:srgbClr val="F50A64"/>
                 </a:solidFill>
+                <a:latin typeface="微软雅黑" panose="020B0503020204020204" charset="-122"/>
+                <a:ea typeface="微软雅黑" panose="020B0503020204020204" charset="-122"/>
+                <a:sym typeface="微软雅黑" panose="020B0503020204020204" charset="-122"/>
               </a:rPr>
-              <a:t>rem</a:t>
-            </a:r>
-            <a:r>
-              <a:rPr kumimoji="1" lang="zh-CN" altLang="en-US" dirty="0" smtClean="0">
+              <a:t>devicePixelRatio</a:t>
+            </a:r>
+            <a:r>
+              <a:rPr lang="zh-CN" altLang="en-US" b="1" dirty="0">
                 <a:solidFill>
-                  <a:srgbClr val="FF0000"/>
+                  <a:srgbClr val="F50A64"/>
                 </a:solidFill>
+                <a:latin typeface="微软雅黑" panose="020B0503020204020204" charset="-122"/>
+                <a:ea typeface="微软雅黑" panose="020B0503020204020204" charset="-122"/>
+                <a:sym typeface="微软雅黑" panose="020B0503020204020204" charset="-122"/>
               </a:rPr>
-              <a:t>用法</a:t>
+              <a:t>）</a:t>
             </a:r>
             <a:endParaRPr kumimoji="1" lang="zh-CN" altLang="en-US" dirty="0">
               <a:solidFill>
@@ -9118,100 +9071,233 @@
             <a:spLocks noGrp="1"/>
           </p:cNvSpPr>
           <p:nvPr>
-            <p:ph idx="1"/>
-          </p:nvPr>
-        </p:nvSpPr>
-        <p:spPr/>
+            <p:ph idx="4294967295"/>
+          </p:nvPr>
+        </p:nvSpPr>
+        <p:spPr>
+          <a:xfrm>
+            <a:off x="2743200" y="1519085"/>
+            <a:ext cx="9040761" cy="4925960"/>
+          </a:xfrm>
+        </p:spPr>
         <p:txBody>
           <a:bodyPr>
             <a:normAutofit/>
           </a:bodyPr>
           <a:lstStyle/>
           <a:p>
-            <a:r>
-              <a:rPr lang="en-US" altLang="zh-CN" dirty="0"/>
-              <a:t>rem</a:t>
-            </a:r>
-            <a:r>
-              <a:rPr lang="zh-CN" altLang="en-US" dirty="0"/>
-              <a:t>是只相对于根元素</a:t>
-            </a:r>
-            <a:r>
-              <a:rPr lang="en-US" altLang="zh-CN" dirty="0" err="1"/>
-              <a:t>htm</a:t>
-            </a:r>
-            <a:r>
-              <a:rPr lang="zh-CN" altLang="en-US" dirty="0"/>
-              <a:t>的</a:t>
-            </a:r>
-            <a:r>
-              <a:rPr lang="en-US" altLang="zh-CN" dirty="0"/>
-              <a:t>font-size</a:t>
-            </a:r>
-            <a:r>
-              <a:rPr lang="zh-CN" altLang="en-US" dirty="0"/>
-              <a:t>，即只需要设置根元素的</a:t>
-            </a:r>
-            <a:r>
-              <a:rPr lang="en-US" altLang="zh-CN" dirty="0"/>
-              <a:t>font-size</a:t>
-            </a:r>
-            <a:r>
-              <a:rPr lang="zh-CN" altLang="en-US" dirty="0"/>
-              <a:t>，其它元素使用</a:t>
-            </a:r>
-            <a:r>
-              <a:rPr lang="en-US" altLang="zh-CN" dirty="0"/>
-              <a:t>rem</a:t>
-            </a:r>
-            <a:r>
-              <a:rPr lang="zh-CN" altLang="en-US" dirty="0"/>
-              <a:t>单位设置成相应的百分比</a:t>
-            </a:r>
-            <a:r>
-              <a:rPr lang="zh-CN" altLang="en-US" dirty="0" smtClean="0"/>
-              <a:t>即可。</a:t>
-            </a:r>
-            <a:endParaRPr lang="zh-CN" altLang="en-US" dirty="0"/>
-          </a:p>
-        </p:txBody>
-      </p:sp>
-      <p:pic>
-        <p:nvPicPr>
-          <p:cNvPr id="4" name="图片 3"/>
-          <p:cNvPicPr>
-            <a:picLocks noChangeAspect="1"/>
-          </p:cNvPicPr>
-          <p:nvPr/>
-        </p:nvPicPr>
-        <p:blipFill>
-          <a:blip r:embed="rId2">
-            <a:extLst>
-              <a:ext uri="{28A0092B-C50C-407E-A947-70E740481C1C}">
-                <a14:useLocalDpi xmlns:a14="http://schemas.microsoft.com/office/drawing/2010/main" val="0"/>
-              </a:ext>
-            </a:extLst>
-          </a:blip>
-          <a:stretch>
-            <a:fillRect/>
-          </a:stretch>
-        </p:blipFill>
-        <p:spPr>
-          <a:xfrm>
-            <a:off x="2589212" y="3101009"/>
-            <a:ext cx="8423345" cy="3341355"/>
-          </a:xfrm>
-          <a:prstGeom prst="rect">
-            <a:avLst/>
-          </a:prstGeom>
-        </p:spPr>
-      </p:pic>
+            <a:pPr marL="342900" lvl="1" indent="-342900"/>
+            <a:r>
+              <a:rPr kumimoji="1" lang="zh-CN" altLang="en-US" sz="2400" dirty="0"/>
+              <a:t>获取像</a:t>
+            </a:r>
+            <a:r>
+              <a:rPr kumimoji="1" lang="zh-CN" altLang="en-US" sz="2400" dirty="0" smtClean="0"/>
+              <a:t>素比</a:t>
+            </a:r>
+            <a:r>
+              <a:rPr kumimoji="1" lang="en-US" altLang="zh-CN" sz="2400" dirty="0" smtClean="0"/>
+              <a:t>(</a:t>
+            </a:r>
+            <a:r>
+              <a:rPr kumimoji="1" lang="en-US" altLang="zh-CN" sz="2400" dirty="0" err="1" smtClean="0"/>
+              <a:t>dpr</a:t>
+            </a:r>
+            <a:r>
+              <a:rPr kumimoji="1" lang="en-US" altLang="zh-CN" sz="2400" dirty="0" smtClean="0"/>
+              <a:t>)</a:t>
+            </a:r>
+            <a:r>
+              <a:rPr kumimoji="1" lang="zh-CN" altLang="en-US" sz="2400" dirty="0" smtClean="0"/>
+              <a:t> </a:t>
+            </a:r>
+            <a:endParaRPr kumimoji="1" lang="en-US" altLang="zh-CN" sz="2400" dirty="0" smtClean="0"/>
+          </a:p>
+          <a:p>
+            <a:pPr marL="400050" lvl="2" indent="0">
+              <a:buNone/>
+            </a:pPr>
+            <a:r>
+              <a:rPr kumimoji="1" lang="en-US" altLang="zh-CN" sz="2200" dirty="0" err="1" smtClean="0"/>
+              <a:t>window.devicePixelRatio</a:t>
+            </a:r>
+            <a:r>
+              <a:rPr lang="zh-CN" altLang="en-US" sz="2200" dirty="0" smtClean="0"/>
+              <a:t>是</a:t>
+            </a:r>
+            <a:r>
+              <a:rPr lang="zh-CN" altLang="en-US" sz="2200" dirty="0"/>
+              <a:t>设备上物理像素和设备独立像素</a:t>
+            </a:r>
+            <a:endParaRPr lang="en-US" altLang="zh-CN" sz="2200" dirty="0"/>
+          </a:p>
+          <a:p>
+            <a:pPr marL="0" lvl="1" indent="0">
+              <a:buNone/>
+            </a:pPr>
+            <a:r>
+              <a:rPr lang="zh-CN" altLang="en-US" sz="2400" dirty="0"/>
+              <a:t>    表示就是：</a:t>
+            </a:r>
+            <a:r>
+              <a:rPr lang="en-US" altLang="zh-CN" sz="2400" dirty="0" err="1"/>
+              <a:t>window.devicePixelRatio</a:t>
+            </a:r>
+            <a:r>
+              <a:rPr lang="en-US" altLang="zh-CN" sz="2400" dirty="0"/>
+              <a:t> = </a:t>
+            </a:r>
+            <a:r>
+              <a:rPr lang="zh-CN" altLang="en-US" sz="2400" dirty="0"/>
+              <a:t>物理像素 </a:t>
+            </a:r>
+            <a:r>
+              <a:rPr lang="en-US" altLang="zh-CN" sz="2400" dirty="0"/>
+              <a:t>/ dips</a:t>
+            </a:r>
+            <a:r>
+              <a:rPr kumimoji="1" lang="zh-CN" altLang="en-US" sz="2400" dirty="0" smtClean="0"/>
+              <a:t>）</a:t>
+            </a:r>
+            <a:endParaRPr kumimoji="1" lang="en-US" altLang="zh-CN" sz="2400" dirty="0"/>
+          </a:p>
+          <a:p>
+            <a:r>
+              <a:rPr kumimoji="1" lang="zh-CN" altLang="en-US" sz="2400" dirty="0" smtClean="0"/>
+              <a:t>点， </a:t>
+            </a:r>
+            <a:r>
+              <a:rPr kumimoji="1" lang="en-US" altLang="zh-CN" sz="2400" dirty="0" smtClean="0"/>
+              <a:t>points  ( </a:t>
+            </a:r>
+            <a:r>
+              <a:rPr kumimoji="1" lang="zh-CN" altLang="en-US" sz="2400" dirty="0" smtClean="0"/>
+              <a:t>抽象单位</a:t>
+            </a:r>
+            <a:r>
+              <a:rPr kumimoji="1" lang="en-US" altLang="zh-CN" sz="2400" dirty="0" smtClean="0"/>
+              <a:t>,</a:t>
+            </a:r>
+            <a:r>
+              <a:rPr kumimoji="1" lang="zh-CN" altLang="en-US" sz="2400" dirty="0" smtClean="0"/>
+              <a:t>也可以理解为像素点的密度，像素点点密集是由</a:t>
+            </a:r>
+            <a:r>
+              <a:rPr kumimoji="1" lang="en-US" altLang="zh-CN" sz="2400" dirty="0" err="1" smtClean="0"/>
+              <a:t>dpr</a:t>
+            </a:r>
+            <a:r>
+              <a:rPr kumimoji="1" lang="zh-CN" altLang="en-US" sz="2400" dirty="0" smtClean="0"/>
+              <a:t>决定的</a:t>
+            </a:r>
+            <a:r>
+              <a:rPr kumimoji="1" lang="en-US" altLang="zh-CN" sz="2400" dirty="0" smtClean="0"/>
+              <a:t>)</a:t>
+            </a:r>
+            <a:endParaRPr kumimoji="1" lang="en-US" altLang="zh-CN" sz="2400" dirty="0" smtClean="0"/>
+          </a:p>
+          <a:p>
+            <a:pPr marL="342900" lvl="1" indent="-342900"/>
+            <a:r>
+              <a:rPr kumimoji="1" lang="zh-CN" altLang="en-US" sz="2400" dirty="0"/>
+              <a:t>像素渲染： 栅格渲染</a:t>
+            </a:r>
+            <a:endParaRPr kumimoji="1" lang="en-US" altLang="zh-CN" sz="2400" dirty="0"/>
+          </a:p>
+          <a:p>
+            <a:pPr marL="342900" lvl="1" indent="-342900">
+              <a:lnSpc>
+                <a:spcPct val="80000"/>
+              </a:lnSpc>
+            </a:pPr>
+            <a:r>
+              <a:rPr kumimoji="1" lang="zh-CN" altLang="en-US" sz="2400" dirty="0"/>
+              <a:t>参考：</a:t>
+            </a:r>
+            <a:r>
+              <a:rPr kumimoji="1" lang="en-US" altLang="zh-CN" sz="2400" dirty="0"/>
+              <a:t> </a:t>
+            </a:r>
+            <a:endParaRPr kumimoji="1" lang="en-US" altLang="zh-CN" sz="2400" dirty="0"/>
+          </a:p>
+          <a:p>
+            <a:pPr lvl="1">
+              <a:lnSpc>
+                <a:spcPct val="80000"/>
+              </a:lnSpc>
+              <a:buClr>
+                <a:srgbClr val="F50A64"/>
+              </a:buClr>
+              <a:buNone/>
+            </a:pPr>
+            <a:r>
+              <a:rPr lang="en-US" altLang="zh-CN" sz="1800" dirty="0">
+                <a:solidFill>
+                  <a:srgbClr val="595959"/>
+                </a:solidFill>
+                <a:latin typeface="微软雅黑" panose="020B0503020204020204" charset="-122"/>
+                <a:ea typeface="微软雅黑" panose="020B0503020204020204" charset="-122"/>
+              </a:rPr>
+              <a:t>http://</a:t>
+            </a:r>
+            <a:r>
+              <a:rPr lang="en-US" altLang="zh-CN" sz="1800" dirty="0" err="1">
+                <a:solidFill>
+                  <a:srgbClr val="595959"/>
+                </a:solidFill>
+                <a:latin typeface="微软雅黑" panose="020B0503020204020204" charset="-122"/>
+                <a:ea typeface="微软雅黑" panose="020B0503020204020204" charset="-122"/>
+              </a:rPr>
+              <a:t>www.paintcodeapp.com</a:t>
+            </a:r>
+            <a:r>
+              <a:rPr lang="en-US" altLang="zh-CN" sz="1800" dirty="0">
+                <a:solidFill>
+                  <a:srgbClr val="595959"/>
+                </a:solidFill>
+                <a:latin typeface="微软雅黑" panose="020B0503020204020204" charset="-122"/>
+                <a:ea typeface="微软雅黑" panose="020B0503020204020204" charset="-122"/>
+              </a:rPr>
+              <a:t>/news/ultimate-guide-to-</a:t>
+            </a:r>
+            <a:r>
+              <a:rPr lang="en-US" altLang="zh-CN" sz="1800" dirty="0" err="1">
+                <a:solidFill>
+                  <a:srgbClr val="595959"/>
+                </a:solidFill>
+                <a:latin typeface="微软雅黑" panose="020B0503020204020204" charset="-122"/>
+                <a:ea typeface="微软雅黑" panose="020B0503020204020204" charset="-122"/>
+              </a:rPr>
+              <a:t>iphone</a:t>
+            </a:r>
+            <a:r>
+              <a:rPr lang="en-US" altLang="zh-CN" sz="1800" dirty="0">
+                <a:solidFill>
+                  <a:srgbClr val="595959"/>
+                </a:solidFill>
+                <a:latin typeface="微软雅黑" panose="020B0503020204020204" charset="-122"/>
+                <a:ea typeface="微软雅黑" panose="020B0503020204020204" charset="-122"/>
+              </a:rPr>
+              <a:t>-resolutions</a:t>
+            </a:r>
+            <a:endParaRPr lang="zh-CN" altLang="en-US" sz="2800" dirty="0">
+              <a:solidFill>
+                <a:srgbClr val="292929"/>
+              </a:solidFill>
+              <a:latin typeface="微软雅黑" panose="020B0503020204020204" charset="-122"/>
+              <a:ea typeface="微软雅黑" panose="020B0503020204020204" charset="-122"/>
+            </a:endParaRPr>
+          </a:p>
+          <a:p>
+            <a:pPr marL="342900" lvl="1" indent="-342900"/>
+            <a:endParaRPr kumimoji="1" lang="en-US" altLang="zh-CN" sz="1800" dirty="0"/>
+          </a:p>
+          <a:p>
+            <a:endParaRPr kumimoji="1" lang="en-US" altLang="zh-CN" dirty="0"/>
+          </a:p>
+        </p:txBody>
+      </p:sp>
     </p:spTree>
-    <p:extLst>
-      <p:ext uri="{BB962C8B-B14F-4D97-AF65-F5344CB8AC3E}">
-        <p14:creationId xmlns:p14="http://schemas.microsoft.com/office/powerpoint/2010/main" val="1756268652"/>
-      </p:ext>
-    </p:extLst>
   </p:cSld>
   <p:clrMapOvr>
     <a:masterClrMapping/>
@@ -9368,10 +9454,6 @@
             <a:pPr marL="0" indent="0">
               <a:buNone/>
             </a:pPr>
-            <a:r>
-              <a:rPr lang="zh-CN" altLang="en-US" dirty="0"/>
-              <a:t/>
-            </a:r>
             <a:br>
               <a:rPr lang="zh-CN" altLang="en-US" dirty="0"/>
             </a:br>
@@ -9431,7 +9513,7 @@
           <p:nvPr/>
         </p:nvPicPr>
         <p:blipFill>
-          <a:blip r:embed="rId2">
+          <a:blip r:embed="rId1">
             <a:extLst>
               <a:ext uri="{28A0092B-C50C-407E-A947-70E740481C1C}">
                 <a14:useLocalDpi xmlns:a14="http://schemas.microsoft.com/office/drawing/2010/main" val="0"/>
@@ -9453,11 +9535,6 @@
         </p:spPr>
       </p:pic>
     </p:spTree>
-    <p:extLst>
-      <p:ext uri="{BB962C8B-B14F-4D97-AF65-F5344CB8AC3E}">
-        <p14:creationId xmlns:p14="http://schemas.microsoft.com/office/powerpoint/2010/main" val="444506149"/>
-      </p:ext>
-    </p:extLst>
   </p:cSld>
   <p:clrMapOvr>
     <a:masterClrMapping/>
@@ -9537,7 +9614,7 @@
           </p:nvPr>
         </p:nvPicPr>
         <p:blipFill>
-          <a:blip r:embed="rId2">
+          <a:blip r:embed="rId1">
             <a:extLst>
               <a:ext uri="{28A0092B-C50C-407E-A947-70E740481C1C}">
                 <a14:useLocalDpi xmlns:a14="http://schemas.microsoft.com/office/drawing/2010/main" val="0"/>
@@ -9556,11 +9633,6 @@
         </p:spPr>
       </p:pic>
     </p:spTree>
-    <p:extLst>
-      <p:ext uri="{BB962C8B-B14F-4D97-AF65-F5344CB8AC3E}">
-        <p14:creationId xmlns:p14="http://schemas.microsoft.com/office/powerpoint/2010/main" val="1597853923"/>
-      </p:ext>
-    </p:extLst>
   </p:cSld>
   <p:clrMapOvr>
     <a:masterClrMapping/>
@@ -10046,27 +10118,15 @@
               <a:rPr lang="en-US" altLang="zh-CN" dirty="0" smtClean="0"/>
               <a:t> </a:t>
             </a:r>
-            <a:r>
-              <a:rPr lang="zh-CN" altLang="en-US" dirty="0"/>
-              <a:t/>
-            </a:r>
             <a:br>
               <a:rPr lang="zh-CN" altLang="en-US" dirty="0"/>
             </a:br>
-            <a:r>
-              <a:rPr lang="en-US" altLang="zh-CN" dirty="0"/>
-              <a:t/>
-            </a:r>
             <a:br>
               <a:rPr lang="en-US" altLang="zh-CN" dirty="0"/>
             </a:br>
             <a:r>
               <a:rPr lang="en-US" altLang="zh-CN" dirty="0"/>
               <a:t>	</a:t>
-            </a:r>
-            <a:r>
-              <a:rPr lang="zh-CN" altLang="en-US" dirty="0"/>
-              <a:t/>
             </a:r>
             <a:br>
               <a:rPr lang="zh-CN" altLang="en-US" dirty="0"/>
@@ -10076,11 +10136,6 @@
         </p:txBody>
       </p:sp>
     </p:spTree>
-    <p:extLst>
-      <p:ext uri="{BB962C8B-B14F-4D97-AF65-F5344CB8AC3E}">
-        <p14:creationId xmlns:p14="http://schemas.microsoft.com/office/powerpoint/2010/main" val="1299912306"/>
-      </p:ext>
-    </p:extLst>
   </p:cSld>
   <p:clrMapOvr>
     <a:masterClrMapping/>
@@ -10131,7 +10186,7 @@
     </a:clrScheme>
     <a:fontScheme name="Wisp">
       <a:majorFont>
-        <a:latin typeface="Century Gothic" panose="020B0502020202020204"/>
+        <a:latin typeface="Century Gothic"/>
         <a:ea typeface=""/>
         <a:cs typeface=""/>
         <a:font script="Jpan" typeface="メイリオ"/>
@@ -10166,7 +10221,7 @@
         <a:font script="Geor" typeface="Sylfaen"/>
       </a:majorFont>
       <a:minorFont>
-        <a:latin typeface="Century Gothic" panose="020B0502020202020204"/>
+        <a:latin typeface="Century Gothic"/>
         <a:ea typeface=""/>
         <a:cs typeface=""/>
         <a:font script="Jpan" typeface="メイリオ"/>
@@ -10325,7 +10380,7 @@
   <a:extraClrSchemeLst/>
   <a:extLst>
     <a:ext uri="{05A4C25C-085E-4340-85A3-A5531E510DB2}">
-      <thm15:themeFamily xmlns:thm15="http://schemas.microsoft.com/office/thememl/2012/main" name="Wisp" id="{7CB32D59-10C0-40DD-B7BD-2E94284A981C}" vid="{24B1A44C-C006-48B2-A4D7-E5549B3D8CD4}"/>
+      <thm15:themeFamily xmlns:thm15="http://schemas.microsoft.com/office/thememl/2012/main" name="Office Theme" id="{62F939B6-93AF-4DB8-9C6B-D6C7DFDC589F}" vid="{4A3C46E8-61CC-4603-A589-7422A47A8E4A}"/>
     </a:ext>
   </a:extLst>
 </a:theme>
@@ -10374,7 +10429,7 @@
     </a:clrScheme>
     <a:fontScheme name="Office">
       <a:majorFont>
-        <a:latin typeface="DengXian Light" panose="020F0302020204030204"/>
+        <a:latin typeface="DengXian Light"/>
         <a:ea typeface=""/>
         <a:cs typeface=""/>
         <a:font script="Jpan" typeface="Yu Gothic Light"/>
@@ -10409,7 +10464,7 @@
         <a:font script="Geor" typeface="Sylfaen"/>
       </a:majorFont>
       <a:minorFont>
-        <a:latin typeface="DengXian" panose="020F0502020204030204"/>
+        <a:latin typeface="DengXian"/>
         <a:ea typeface=""/>
         <a:cs typeface=""/>
         <a:font script="Jpan" typeface="Yu Gothic"/>
